--- a/fse15-v2.pptx
+++ b/fse15-v2.pptx
@@ -5,50 +5,51 @@
     <p:sldMasterId id="2147483648" r:id="rId1"/>
   </p:sldMasterIdLst>
   <p:notesMasterIdLst>
-    <p:notesMasterId r:id="rId40"/>
+    <p:notesMasterId r:id="rId41"/>
   </p:notesMasterIdLst>
   <p:handoutMasterIdLst>
-    <p:handoutMasterId r:id="rId41"/>
+    <p:handoutMasterId r:id="rId42"/>
   </p:handoutMasterIdLst>
   <p:sldIdLst>
     <p:sldId id="298" r:id="rId2"/>
-    <p:sldId id="258" r:id="rId3"/>
-    <p:sldId id="276" r:id="rId4"/>
-    <p:sldId id="259" r:id="rId5"/>
-    <p:sldId id="293" r:id="rId6"/>
-    <p:sldId id="277" r:id="rId7"/>
-    <p:sldId id="260" r:id="rId8"/>
-    <p:sldId id="278" r:id="rId9"/>
-    <p:sldId id="268" r:id="rId10"/>
-    <p:sldId id="279" r:id="rId11"/>
-    <p:sldId id="297" r:id="rId12"/>
-    <p:sldId id="289" r:id="rId13"/>
-    <p:sldId id="288" r:id="rId14"/>
-    <p:sldId id="285" r:id="rId15"/>
-    <p:sldId id="292" r:id="rId16"/>
-    <p:sldId id="291" r:id="rId17"/>
-    <p:sldId id="294" r:id="rId18"/>
-    <p:sldId id="306" r:id="rId19"/>
-    <p:sldId id="296" r:id="rId20"/>
-    <p:sldId id="305" r:id="rId21"/>
-    <p:sldId id="307" r:id="rId22"/>
-    <p:sldId id="299" r:id="rId23"/>
-    <p:sldId id="301" r:id="rId24"/>
-    <p:sldId id="302" r:id="rId25"/>
-    <p:sldId id="304" r:id="rId26"/>
-    <p:sldId id="303" r:id="rId27"/>
-    <p:sldId id="308" r:id="rId28"/>
-    <p:sldId id="309" r:id="rId29"/>
-    <p:sldId id="282" r:id="rId30"/>
-    <p:sldId id="280" r:id="rId31"/>
-    <p:sldId id="264" r:id="rId32"/>
-    <p:sldId id="262" r:id="rId33"/>
-    <p:sldId id="261" r:id="rId34"/>
-    <p:sldId id="257" r:id="rId35"/>
-    <p:sldId id="290" r:id="rId36"/>
-    <p:sldId id="263" r:id="rId37"/>
-    <p:sldId id="287" r:id="rId38"/>
-    <p:sldId id="281" r:id="rId39"/>
+    <p:sldId id="310" r:id="rId3"/>
+    <p:sldId id="313" r:id="rId4"/>
+    <p:sldId id="312" r:id="rId5"/>
+    <p:sldId id="311" r:id="rId6"/>
+    <p:sldId id="258" r:id="rId7"/>
+    <p:sldId id="276" r:id="rId8"/>
+    <p:sldId id="259" r:id="rId9"/>
+    <p:sldId id="293" r:id="rId10"/>
+    <p:sldId id="277" r:id="rId11"/>
+    <p:sldId id="260" r:id="rId12"/>
+    <p:sldId id="278" r:id="rId13"/>
+    <p:sldId id="268" r:id="rId14"/>
+    <p:sldId id="297" r:id="rId15"/>
+    <p:sldId id="285" r:id="rId16"/>
+    <p:sldId id="292" r:id="rId17"/>
+    <p:sldId id="291" r:id="rId18"/>
+    <p:sldId id="294" r:id="rId19"/>
+    <p:sldId id="306" r:id="rId20"/>
+    <p:sldId id="296" r:id="rId21"/>
+    <p:sldId id="305" r:id="rId22"/>
+    <p:sldId id="307" r:id="rId23"/>
+    <p:sldId id="299" r:id="rId24"/>
+    <p:sldId id="301" r:id="rId25"/>
+    <p:sldId id="302" r:id="rId26"/>
+    <p:sldId id="304" r:id="rId27"/>
+    <p:sldId id="303" r:id="rId28"/>
+    <p:sldId id="308" r:id="rId29"/>
+    <p:sldId id="309" r:id="rId30"/>
+    <p:sldId id="282" r:id="rId31"/>
+    <p:sldId id="280" r:id="rId32"/>
+    <p:sldId id="264" r:id="rId33"/>
+    <p:sldId id="262" r:id="rId34"/>
+    <p:sldId id="261" r:id="rId35"/>
+    <p:sldId id="257" r:id="rId36"/>
+    <p:sldId id="290" r:id="rId37"/>
+    <p:sldId id="263" r:id="rId38"/>
+    <p:sldId id="287" r:id="rId39"/>
+    <p:sldId id="281" r:id="rId40"/>
   </p:sldIdLst>
   <p:sldSz cx="9144000" cy="6858000" type="screen4x3"/>
   <p:notesSz cx="6858000" cy="9144000"/>
@@ -4795,7 +4796,7 @@
       </p:grpSpPr>
       <p:sp>
         <p:nvSpPr>
-          <p:cNvPr id="6" name="Title 5"/>
+          <p:cNvPr id="2" name="Title 1"/>
           <p:cNvSpPr>
             <a:spLocks noGrp="1"/>
           </p:cNvSpPr>
@@ -4803,14 +4804,26 @@
             <p:ph type="title"/>
           </p:nvPr>
         </p:nvSpPr>
-        <p:spPr/>
+        <p:spPr>
+          <a:xfrm>
+            <a:off x="441324" y="285582"/>
+            <a:ext cx="8286513" cy="1143000"/>
+          </a:xfrm>
+        </p:spPr>
         <p:txBody>
-          <a:bodyPr/>
+          <a:bodyPr>
+            <a:normAutofit/>
+          </a:bodyPr>
           <a:lstStyle/>
           <a:p>
+            <a:pPr algn="l">
+              <a:lnSpc>
+                <a:spcPct val="80000"/>
+              </a:lnSpc>
+            </a:pPr>
             <a:r>
               <a:rPr lang="en-US" dirty="0" smtClean="0"/>
-              <a:t>Search-based SE explores models</a:t>
+              <a:t>Roadmap</a:t>
             </a:r>
             <a:endParaRPr lang="en-US" dirty="0"/>
           </a:p>
@@ -4818,7 +4831,7 @@
       </p:sp>
       <p:sp>
         <p:nvSpPr>
-          <p:cNvPr id="8" name="Content Placeholder 7"/>
+          <p:cNvPr id="3" name="Content Placeholder 2"/>
           <p:cNvSpPr>
             <a:spLocks noGrp="1"/>
           </p:cNvSpPr>
@@ -4828,37 +4841,227 @@
         </p:nvSpPr>
         <p:spPr>
           <a:xfrm>
-            <a:off x="884976" y="5162755"/>
-            <a:ext cx="8356747" cy="2655509"/>
+            <a:off x="457199" y="1505078"/>
+            <a:ext cx="4290681" cy="4843336"/>
           </a:xfrm>
         </p:spPr>
         <p:txBody>
-          <a:bodyPr/>
+          <a:bodyPr>
+            <a:normAutofit fontScale="92500" lnSpcReduction="10000"/>
+          </a:bodyPr>
           <a:lstStyle/>
           <a:p>
-            <a:pPr marL="0" indent="0">
-              <a:buNone/>
-            </a:pPr>
-            <a:r>
-              <a:rPr lang="en-US" dirty="0" smtClean="0"/>
-              <a:t>Because after “big data” comes “big models”</a:t>
-            </a:r>
-          </a:p>
-          <a:p>
-            <a:pPr marL="0" indent="0">
-              <a:buNone/>
-            </a:pPr>
-            <a:r>
-              <a:rPr lang="en-US" dirty="0" smtClean="0"/>
-              <a:t>Collect all that data– and summarize it</a:t>
-            </a:r>
-            <a:endParaRPr lang="en-US" dirty="0"/>
+            <a:pPr>
+              <a:lnSpc>
+                <a:spcPct val="120000"/>
+              </a:lnSpc>
+            </a:pPr>
+            <a:r>
+              <a:rPr lang="en-US" sz="2400" dirty="0" smtClean="0">
+                <a:solidFill>
+                  <a:schemeClr val="bg1">
+                    <a:lumMod val="65000"/>
+                  </a:schemeClr>
+                </a:solidFill>
+              </a:rPr>
+              <a:t>Journal-first</a:t>
+            </a:r>
+          </a:p>
+          <a:p>
+            <a:pPr>
+              <a:lnSpc>
+                <a:spcPct val="120000"/>
+              </a:lnSpc>
+            </a:pPr>
+            <a:r>
+              <a:rPr lang="en-US" sz="2400" b="1" dirty="0" smtClean="0">
+                <a:solidFill>
+                  <a:srgbClr val="9F2021"/>
+                </a:solidFill>
+              </a:rPr>
+              <a:t>GALE</a:t>
+            </a:r>
+          </a:p>
+          <a:p>
+            <a:pPr lvl="1">
+              <a:lnSpc>
+                <a:spcPct val="120000"/>
+              </a:lnSpc>
+            </a:pPr>
+            <a:r>
+              <a:rPr lang="en-US" sz="2000" b="1" dirty="0" smtClean="0">
+                <a:solidFill>
+                  <a:srgbClr val="9F2021"/>
+                </a:solidFill>
+              </a:rPr>
+              <a:t>strong force to push you around</a:t>
+            </a:r>
+          </a:p>
+          <a:p>
+            <a:pPr>
+              <a:lnSpc>
+                <a:spcPct val="120000"/>
+              </a:lnSpc>
+            </a:pPr>
+            <a:r>
+              <a:rPr lang="en-US" sz="2400" dirty="0" smtClean="0">
+                <a:solidFill>
+                  <a:schemeClr val="bg1">
+                    <a:lumMod val="65000"/>
+                  </a:schemeClr>
+                </a:solidFill>
+              </a:rPr>
+              <a:t>Search-based SE</a:t>
+            </a:r>
+          </a:p>
+          <a:p>
+            <a:pPr lvl="1">
+              <a:lnSpc>
+                <a:spcPct val="120000"/>
+              </a:lnSpc>
+            </a:pPr>
+            <a:r>
+              <a:rPr lang="en-US" sz="2000" dirty="0" smtClean="0">
+                <a:solidFill>
+                  <a:schemeClr val="bg1">
+                    <a:lumMod val="65000"/>
+                  </a:schemeClr>
+                </a:solidFill>
+              </a:rPr>
+              <a:t>The future of SE</a:t>
+            </a:r>
+          </a:p>
+          <a:p>
+            <a:pPr lvl="1">
+              <a:lnSpc>
+                <a:spcPct val="120000"/>
+              </a:lnSpc>
+            </a:pPr>
+            <a:r>
+              <a:rPr lang="en-US" sz="2000" dirty="0" smtClean="0">
+                <a:solidFill>
+                  <a:schemeClr val="bg1">
+                    <a:lumMod val="65000"/>
+                  </a:schemeClr>
+                </a:solidFill>
+              </a:rPr>
+              <a:t>Why we explore with GALE</a:t>
+            </a:r>
+            <a:endParaRPr lang="en-US" sz="2000" dirty="0" smtClean="0">
+              <a:solidFill>
+                <a:schemeClr val="bg1">
+                  <a:lumMod val="65000"/>
+                </a:schemeClr>
+              </a:solidFill>
+            </a:endParaRPr>
+          </a:p>
+          <a:p>
+            <a:pPr>
+              <a:lnSpc>
+                <a:spcPct val="120000"/>
+              </a:lnSpc>
+            </a:pPr>
+            <a:r>
+              <a:rPr lang="en-US" sz="2400" dirty="0" smtClean="0">
+                <a:solidFill>
+                  <a:schemeClr val="bg1">
+                    <a:lumMod val="65000"/>
+                  </a:schemeClr>
+                </a:solidFill>
+              </a:rPr>
+              <a:t>Geometric</a:t>
+            </a:r>
+          </a:p>
+          <a:p>
+            <a:pPr lvl="1">
+              <a:lnSpc>
+                <a:spcPct val="120000"/>
+              </a:lnSpc>
+            </a:pPr>
+            <a:r>
+              <a:rPr lang="en-US" sz="2000" dirty="0" smtClean="0">
+                <a:solidFill>
+                  <a:schemeClr val="bg1">
+                    <a:lumMod val="65000"/>
+                  </a:schemeClr>
+                </a:solidFill>
+              </a:rPr>
+              <a:t>Look before you leap</a:t>
+            </a:r>
+          </a:p>
+          <a:p>
+            <a:pPr lvl="1">
+              <a:lnSpc>
+                <a:spcPct val="120000"/>
+              </a:lnSpc>
+            </a:pPr>
+            <a:r>
+              <a:rPr lang="en-US" sz="2000" dirty="0" smtClean="0">
+                <a:solidFill>
+                  <a:schemeClr val="bg1">
+                    <a:lumMod val="65000"/>
+                  </a:schemeClr>
+                </a:solidFill>
+              </a:rPr>
+              <a:t>Faster hops over space</a:t>
+            </a:r>
+          </a:p>
+          <a:p>
+            <a:pPr>
+              <a:lnSpc>
+                <a:spcPct val="120000"/>
+              </a:lnSpc>
+            </a:pPr>
+            <a:r>
+              <a:rPr lang="en-US" sz="2400" dirty="0" smtClean="0">
+                <a:solidFill>
+                  <a:schemeClr val="bg1">
+                    <a:lumMod val="65000"/>
+                  </a:schemeClr>
+                </a:solidFill>
+              </a:rPr>
+              <a:t>Active learning:</a:t>
+            </a:r>
+          </a:p>
+          <a:p>
+            <a:pPr lvl="1">
+              <a:lnSpc>
+                <a:spcPct val="120000"/>
+              </a:lnSpc>
+            </a:pPr>
+            <a:r>
+              <a:rPr lang="en-US" sz="2000" dirty="0" smtClean="0">
+                <a:solidFill>
+                  <a:schemeClr val="bg1">
+                    <a:lumMod val="65000"/>
+                  </a:schemeClr>
+                </a:solidFill>
+              </a:rPr>
+              <a:t>Scoring  examples costs X.</a:t>
+            </a:r>
+          </a:p>
+          <a:p>
+            <a:pPr lvl="1">
+              <a:lnSpc>
+                <a:spcPct val="120000"/>
+              </a:lnSpc>
+            </a:pPr>
+            <a:r>
+              <a:rPr lang="en-US" sz="2000" dirty="0" smtClean="0">
+                <a:solidFill>
+                  <a:schemeClr val="bg1">
+                    <a:lumMod val="65000"/>
+                  </a:schemeClr>
+                </a:solidFill>
+              </a:rPr>
+              <a:t>Minimize sum of X</a:t>
+            </a:r>
           </a:p>
         </p:txBody>
       </p:sp>
       <p:pic>
         <p:nvPicPr>
-          <p:cNvPr id="7" name="Picture 6" descr="Screen Shot 2013-12-21 at 9.00.13 PM.png"/>
+          <p:cNvPr id="6" name="Picture 5" descr="051712_gale_force_photos_8.jpg"/>
           <p:cNvPicPr>
             <a:picLocks noChangeAspect="1"/>
           </p:cNvPicPr>
@@ -4878,18 +5081,51 @@
         </p:blipFill>
         <p:spPr>
           <a:xfrm>
-            <a:off x="1530056" y="1342127"/>
-            <a:ext cx="6049566" cy="3899901"/>
+            <a:off x="4565187" y="-744"/>
+            <a:ext cx="4610746" cy="6916119"/>
           </a:xfrm>
           <a:prstGeom prst="rect">
             <a:avLst/>
           </a:prstGeom>
         </p:spPr>
       </p:pic>
+      <p:cxnSp>
+        <p:nvCxnSpPr>
+          <p:cNvPr id="8" name="Straight Arrow Connector 7"/>
+          <p:cNvCxnSpPr/>
+          <p:nvPr/>
+        </p:nvCxnSpPr>
+        <p:spPr>
+          <a:xfrm>
+            <a:off x="4343806" y="2677412"/>
+            <a:ext cx="965490" cy="198894"/>
+          </a:xfrm>
+          <a:prstGeom prst="straightConnector1">
+            <a:avLst/>
+          </a:prstGeom>
+          <a:ln w="57150" cmpd="sng">
+            <a:tailEnd type="arrow"/>
+          </a:ln>
+        </p:spPr>
+        <p:style>
+          <a:lnRef idx="2">
+            <a:schemeClr val="accent1"/>
+          </a:lnRef>
+          <a:fillRef idx="0">
+            <a:schemeClr val="accent1"/>
+          </a:fillRef>
+          <a:effectRef idx="1">
+            <a:schemeClr val="accent1"/>
+          </a:effectRef>
+          <a:fontRef idx="minor">
+            <a:schemeClr val="tx1"/>
+          </a:fontRef>
+        </p:style>
+      </p:cxnSp>
     </p:spTree>
     <p:extLst>
       <p:ext uri="{BB962C8B-B14F-4D97-AF65-F5344CB8AC3E}">
-        <p14:creationId xmlns:p14="http://schemas.microsoft.com/office/powerpoint/2010/main" val="1554294128"/>
+        <p14:creationId xmlns:p14="http://schemas.microsoft.com/office/powerpoint/2010/main" val="1393459915"/>
       </p:ext>
     </p:extLst>
   </p:cSld>
@@ -4907,6 +5143,865 @@
 </file>
 
 <file path=ppt/slides/slide11.xml><?xml version="1.0" encoding="utf-8"?>
+<p:sld xmlns:a="http://schemas.openxmlformats.org/drawingml/2006/main" xmlns:r="http://schemas.openxmlformats.org/officeDocument/2006/relationships" xmlns:p="http://schemas.openxmlformats.org/presentationml/2006/main">
+  <p:cSld>
+    <p:spTree>
+      <p:nvGrpSpPr>
+        <p:cNvPr id="1" name=""/>
+        <p:cNvGrpSpPr/>
+        <p:nvPr/>
+      </p:nvGrpSpPr>
+      <p:grpSpPr>
+        <a:xfrm>
+          <a:off x="0" y="0"/>
+          <a:ext cx="0" cy="0"/>
+          <a:chOff x="0" y="0"/>
+          <a:chExt cx="0" cy="0"/>
+        </a:xfrm>
+      </p:grpSpPr>
+      <p:pic>
+        <p:nvPicPr>
+          <p:cNvPr id="4" name="Picture 3"/>
+          <p:cNvPicPr>
+            <a:picLocks noChangeAspect="1"/>
+          </p:cNvPicPr>
+          <p:nvPr/>
+        </p:nvPicPr>
+        <p:blipFill>
+          <a:blip r:embed="rId2"/>
+          <a:stretch>
+            <a:fillRect/>
+          </a:stretch>
+        </p:blipFill>
+        <p:spPr>
+          <a:xfrm>
+            <a:off x="3835690" y="1934181"/>
+            <a:ext cx="4973281" cy="3927686"/>
+          </a:xfrm>
+          <a:prstGeom prst="rect">
+            <a:avLst/>
+          </a:prstGeom>
+        </p:spPr>
+      </p:pic>
+      <p:sp>
+        <p:nvSpPr>
+          <p:cNvPr id="2" name="Title 1"/>
+          <p:cNvSpPr>
+            <a:spLocks noGrp="1"/>
+          </p:cNvSpPr>
+          <p:nvPr>
+            <p:ph type="title"/>
+          </p:nvPr>
+        </p:nvSpPr>
+        <p:spPr/>
+        <p:txBody>
+          <a:bodyPr>
+            <a:normAutofit/>
+          </a:bodyPr>
+          <a:lstStyle/>
+          <a:p>
+            <a:r>
+              <a:rPr lang="en-US" dirty="0" smtClean="0"/>
+              <a:t>GALE force</a:t>
+            </a:r>
+            <a:endParaRPr lang="en-US" dirty="0"/>
+          </a:p>
+        </p:txBody>
+      </p:sp>
+      <p:sp>
+        <p:nvSpPr>
+          <p:cNvPr id="3" name="Content Placeholder 2"/>
+          <p:cNvSpPr>
+            <a:spLocks noGrp="1"/>
+          </p:cNvSpPr>
+          <p:nvPr>
+            <p:ph idx="1"/>
+          </p:nvPr>
+        </p:nvSpPr>
+        <p:spPr>
+          <a:xfrm>
+            <a:off x="457200" y="1513620"/>
+            <a:ext cx="6873874" cy="4743875"/>
+          </a:xfrm>
+        </p:spPr>
+        <p:txBody>
+          <a:bodyPr>
+            <a:normAutofit fontScale="85000" lnSpcReduction="20000"/>
+          </a:bodyPr>
+          <a:lstStyle/>
+          <a:p>
+            <a:pPr marL="0" indent="0">
+              <a:buNone/>
+            </a:pPr>
+            <a:r>
+              <a:rPr lang="en-US" sz="2800" dirty="0" smtClean="0"/>
+              <a:t>Approximate the space </a:t>
+            </a:r>
+          </a:p>
+          <a:p>
+            <a:pPr lvl="1" indent="-342900"/>
+            <a:r>
+              <a:rPr lang="en-US" sz="2400" dirty="0" smtClean="0"/>
+              <a:t>k=2 divisive clustering </a:t>
+            </a:r>
+            <a:br>
+              <a:rPr lang="en-US" sz="2400" dirty="0" smtClean="0"/>
+            </a:br>
+            <a:r>
+              <a:rPr lang="en-US" sz="2400" dirty="0" smtClean="0"/>
+              <a:t/>
+            </a:r>
+            <a:br>
+              <a:rPr lang="en-US" sz="2400" dirty="0" smtClean="0"/>
+            </a:br>
+            <a:endParaRPr lang="en-US" sz="2400" dirty="0" smtClean="0"/>
+          </a:p>
+          <a:p>
+            <a:pPr marL="400050" lvl="1" indent="0">
+              <a:buNone/>
+            </a:pPr>
+            <a:endParaRPr lang="en-US" sz="2000" dirty="0" smtClean="0"/>
+          </a:p>
+          <a:p>
+            <a:pPr marL="0" indent="0">
+              <a:buNone/>
+            </a:pPr>
+            <a:r>
+              <a:rPr lang="en-US" sz="2800" dirty="0" smtClean="0"/>
+              <a:t>Evaluate 2 distant </a:t>
+            </a:r>
+            <a:br>
+              <a:rPr lang="en-US" sz="2800" dirty="0" smtClean="0"/>
+            </a:br>
+            <a:r>
+              <a:rPr lang="en-US" sz="2800" dirty="0" smtClean="0"/>
+              <a:t>points (X,Y) per cluster</a:t>
+            </a:r>
+            <a:br>
+              <a:rPr lang="en-US" sz="2800" dirty="0" smtClean="0"/>
+            </a:br>
+            <a:r>
+              <a:rPr lang="en-US" sz="2800" dirty="0" smtClean="0"/>
+              <a:t/>
+            </a:r>
+            <a:br>
+              <a:rPr lang="en-US" sz="2800" dirty="0" smtClean="0"/>
+            </a:br>
+            <a:endParaRPr lang="en-US" sz="2800" dirty="0" smtClean="0"/>
+          </a:p>
+          <a:p>
+            <a:pPr marL="0" indent="0">
+              <a:buNone/>
+            </a:pPr>
+            <a:r>
+              <a:rPr lang="en-US" sz="2800" dirty="0" smtClean="0"/>
+              <a:t>If better(X,Y)</a:t>
+            </a:r>
+          </a:p>
+          <a:p>
+            <a:pPr lvl="1" indent="-342900"/>
+            <a:r>
+              <a:rPr lang="en-US" sz="2400" dirty="0" smtClean="0"/>
+              <a:t>If size(cluster) &gt; large</a:t>
+            </a:r>
+            <a:endParaRPr lang="en-US" sz="2400" dirty="0"/>
+          </a:p>
+          <a:p>
+            <a:pPr lvl="2"/>
+            <a:r>
+              <a:rPr lang="en-US" sz="2100" dirty="0" smtClean="0"/>
+              <a:t>Cut in two</a:t>
+            </a:r>
+          </a:p>
+          <a:p>
+            <a:pPr lvl="2"/>
+            <a:r>
+              <a:rPr lang="en-US" sz="2100" dirty="0" err="1" smtClean="0"/>
+              <a:t>Recurse</a:t>
+            </a:r>
+            <a:r>
+              <a:rPr lang="en-US" sz="2100" dirty="0" smtClean="0"/>
+              <a:t> on better half</a:t>
+            </a:r>
+          </a:p>
+          <a:p>
+            <a:pPr lvl="1"/>
+            <a:r>
+              <a:rPr lang="en-US" sz="2400" dirty="0" smtClean="0"/>
+              <a:t>Else, push points  towards X</a:t>
+            </a:r>
+            <a:br>
+              <a:rPr lang="en-US" sz="2400" dirty="0" smtClean="0"/>
+            </a:br>
+            <a:endParaRPr lang="en-US" sz="2400" dirty="0" smtClean="0"/>
+          </a:p>
+        </p:txBody>
+      </p:sp>
+      <p:sp>
+        <p:nvSpPr>
+          <p:cNvPr id="5" name="TextBox 4"/>
+          <p:cNvSpPr txBox="1"/>
+          <p:nvPr/>
+        </p:nvSpPr>
+        <p:spPr>
+          <a:xfrm>
+            <a:off x="6442197" y="1597828"/>
+            <a:ext cx="1913510" cy="923330"/>
+          </a:xfrm>
+          <a:prstGeom prst="rect">
+            <a:avLst/>
+          </a:prstGeom>
+          <a:noFill/>
+        </p:spPr>
+        <p:txBody>
+          <a:bodyPr wrap="square" rtlCol="0">
+            <a:spAutoFit/>
+          </a:bodyPr>
+          <a:lstStyle/>
+          <a:p>
+            <a:pPr algn="r"/>
+            <a:r>
+              <a:rPr lang="en-US" dirty="0" smtClean="0"/>
+              <a:t>e.g. </a:t>
+            </a:r>
+            <a:r>
+              <a:rPr lang="en-US" b="1" dirty="0" smtClean="0">
+                <a:solidFill>
+                  <a:srgbClr val="F0A631"/>
+                </a:solidFill>
+              </a:rPr>
+              <a:t>orange</a:t>
+            </a:r>
+            <a:r>
+              <a:rPr lang="en-US" dirty="0" smtClean="0"/>
+              <a:t> points get  pushed </a:t>
+            </a:r>
+            <a:br>
+              <a:rPr lang="en-US" dirty="0" smtClean="0"/>
+            </a:br>
+            <a:r>
+              <a:rPr lang="en-US" dirty="0" smtClean="0"/>
+              <a:t>this </a:t>
+            </a:r>
+            <a:r>
+              <a:rPr lang="en-US" dirty="0"/>
+              <a:t> </a:t>
+            </a:r>
+            <a:r>
+              <a:rPr lang="en-US" dirty="0" smtClean="0"/>
+              <a:t>way</a:t>
+            </a:r>
+            <a:endParaRPr lang="en-US" dirty="0"/>
+          </a:p>
+        </p:txBody>
+      </p:sp>
+      <p:cxnSp>
+        <p:nvCxnSpPr>
+          <p:cNvPr id="12" name="Straight Arrow Connector 11"/>
+          <p:cNvCxnSpPr/>
+          <p:nvPr/>
+        </p:nvCxnSpPr>
+        <p:spPr>
+          <a:xfrm flipH="1" flipV="1">
+            <a:off x="6748217" y="2013596"/>
+            <a:ext cx="154192" cy="720552"/>
+          </a:xfrm>
+          <a:prstGeom prst="straightConnector1">
+            <a:avLst/>
+          </a:prstGeom>
+          <a:ln w="76200" cmpd="sng">
+            <a:solidFill>
+              <a:srgbClr val="F0A631"/>
+            </a:solidFill>
+            <a:tailEnd type="arrow"/>
+          </a:ln>
+        </p:spPr>
+        <p:style>
+          <a:lnRef idx="2">
+            <a:schemeClr val="accent1"/>
+          </a:lnRef>
+          <a:fillRef idx="0">
+            <a:schemeClr val="accent1"/>
+          </a:fillRef>
+          <a:effectRef idx="1">
+            <a:schemeClr val="accent1"/>
+          </a:effectRef>
+          <a:fontRef idx="minor">
+            <a:schemeClr val="tx1"/>
+          </a:fontRef>
+        </p:style>
+      </p:cxnSp>
+    </p:spTree>
+    <p:extLst>
+      <p:ext uri="{BB962C8B-B14F-4D97-AF65-F5344CB8AC3E}">
+        <p14:creationId xmlns:p14="http://schemas.microsoft.com/office/powerpoint/2010/main" val="3137621056"/>
+      </p:ext>
+    </p:extLst>
+  </p:cSld>
+  <p:clrMapOvr>
+    <a:masterClrMapping/>
+  </p:clrMapOvr>
+  <p:timing>
+    <p:tnLst>
+      <p:par>
+        <p:cTn xmlns:p14="http://schemas.microsoft.com/office/powerpoint/2010/main" id="1" dur="indefinite" restart="never" nodeType="tmRoot"/>
+      </p:par>
+    </p:tnLst>
+  </p:timing>
+</p:sld>
+</file>
+
+<file path=ppt/slides/slide12.xml><?xml version="1.0" encoding="utf-8"?>
+<p:sld xmlns:a="http://schemas.openxmlformats.org/drawingml/2006/main" xmlns:r="http://schemas.openxmlformats.org/officeDocument/2006/relationships" xmlns:p="http://schemas.openxmlformats.org/presentationml/2006/main">
+  <p:cSld>
+    <p:spTree>
+      <p:nvGrpSpPr>
+        <p:cNvPr id="1" name=""/>
+        <p:cNvGrpSpPr/>
+        <p:nvPr/>
+      </p:nvGrpSpPr>
+      <p:grpSpPr>
+        <a:xfrm>
+          <a:off x="0" y="0"/>
+          <a:ext cx="0" cy="0"/>
+          <a:chOff x="0" y="0"/>
+          <a:chExt cx="0" cy="0"/>
+        </a:xfrm>
+      </p:grpSpPr>
+      <p:sp>
+        <p:nvSpPr>
+          <p:cNvPr id="2" name="Title 1"/>
+          <p:cNvSpPr>
+            <a:spLocks noGrp="1"/>
+          </p:cNvSpPr>
+          <p:nvPr>
+            <p:ph type="title"/>
+          </p:nvPr>
+        </p:nvSpPr>
+        <p:spPr>
+          <a:xfrm>
+            <a:off x="441324" y="285582"/>
+            <a:ext cx="8286513" cy="1143000"/>
+          </a:xfrm>
+        </p:spPr>
+        <p:txBody>
+          <a:bodyPr>
+            <a:normAutofit/>
+          </a:bodyPr>
+          <a:lstStyle/>
+          <a:p>
+            <a:pPr algn="l">
+              <a:lnSpc>
+                <a:spcPct val="80000"/>
+              </a:lnSpc>
+            </a:pPr>
+            <a:r>
+              <a:rPr lang="en-US" dirty="0" smtClean="0"/>
+              <a:t>Roadmap</a:t>
+            </a:r>
+            <a:endParaRPr lang="en-US" dirty="0"/>
+          </a:p>
+        </p:txBody>
+      </p:sp>
+      <p:sp>
+        <p:nvSpPr>
+          <p:cNvPr id="3" name="Content Placeholder 2"/>
+          <p:cNvSpPr>
+            <a:spLocks noGrp="1"/>
+          </p:cNvSpPr>
+          <p:nvPr>
+            <p:ph idx="1"/>
+          </p:nvPr>
+        </p:nvSpPr>
+        <p:spPr>
+          <a:xfrm>
+            <a:off x="457199" y="1505078"/>
+            <a:ext cx="4290681" cy="4843336"/>
+          </a:xfrm>
+        </p:spPr>
+        <p:txBody>
+          <a:bodyPr>
+            <a:normAutofit fontScale="92500" lnSpcReduction="10000"/>
+          </a:bodyPr>
+          <a:lstStyle/>
+          <a:p>
+            <a:pPr>
+              <a:lnSpc>
+                <a:spcPct val="120000"/>
+              </a:lnSpc>
+            </a:pPr>
+            <a:r>
+              <a:rPr lang="en-US" sz="2400" dirty="0" smtClean="0">
+                <a:solidFill>
+                  <a:schemeClr val="bg1">
+                    <a:lumMod val="65000"/>
+                  </a:schemeClr>
+                </a:solidFill>
+              </a:rPr>
+              <a:t>Journal-first</a:t>
+            </a:r>
+          </a:p>
+          <a:p>
+            <a:pPr>
+              <a:lnSpc>
+                <a:spcPct val="120000"/>
+              </a:lnSpc>
+            </a:pPr>
+            <a:r>
+              <a:rPr lang="en-US" sz="2400" dirty="0" smtClean="0">
+                <a:solidFill>
+                  <a:schemeClr val="bg1">
+                    <a:lumMod val="65000"/>
+                  </a:schemeClr>
+                </a:solidFill>
+              </a:rPr>
+              <a:t>GALE</a:t>
+            </a:r>
+          </a:p>
+          <a:p>
+            <a:pPr lvl="1">
+              <a:lnSpc>
+                <a:spcPct val="120000"/>
+              </a:lnSpc>
+            </a:pPr>
+            <a:r>
+              <a:rPr lang="en-US" sz="2000" dirty="0" smtClean="0">
+                <a:solidFill>
+                  <a:schemeClr val="bg1">
+                    <a:lumMod val="65000"/>
+                  </a:schemeClr>
+                </a:solidFill>
+              </a:rPr>
+              <a:t>strong force to push you around</a:t>
+            </a:r>
+          </a:p>
+          <a:p>
+            <a:pPr>
+              <a:lnSpc>
+                <a:spcPct val="120000"/>
+              </a:lnSpc>
+            </a:pPr>
+            <a:r>
+              <a:rPr lang="en-US" sz="2400" b="1" dirty="0" smtClean="0">
+                <a:solidFill>
+                  <a:srgbClr val="9F2021"/>
+                </a:solidFill>
+              </a:rPr>
+              <a:t>Search-based SE</a:t>
+            </a:r>
+          </a:p>
+          <a:p>
+            <a:pPr lvl="1">
+              <a:lnSpc>
+                <a:spcPct val="120000"/>
+              </a:lnSpc>
+            </a:pPr>
+            <a:r>
+              <a:rPr lang="en-US" sz="2000" b="1" dirty="0" smtClean="0">
+                <a:solidFill>
+                  <a:srgbClr val="9F2021"/>
+                </a:solidFill>
+              </a:rPr>
+              <a:t>The future of SE</a:t>
+            </a:r>
+          </a:p>
+          <a:p>
+            <a:pPr lvl="1">
+              <a:lnSpc>
+                <a:spcPct val="120000"/>
+              </a:lnSpc>
+            </a:pPr>
+            <a:r>
+              <a:rPr lang="en-US" sz="2000" b="1" dirty="0" smtClean="0">
+                <a:solidFill>
+                  <a:srgbClr val="9F2021"/>
+                </a:solidFill>
+              </a:rPr>
+              <a:t>Why we explore with GALE</a:t>
+            </a:r>
+            <a:endParaRPr lang="en-US" sz="2000" b="1" dirty="0" smtClean="0">
+              <a:solidFill>
+                <a:srgbClr val="9F2021"/>
+              </a:solidFill>
+            </a:endParaRPr>
+          </a:p>
+          <a:p>
+            <a:pPr>
+              <a:lnSpc>
+                <a:spcPct val="120000"/>
+              </a:lnSpc>
+            </a:pPr>
+            <a:r>
+              <a:rPr lang="en-US" sz="2400" dirty="0" smtClean="0">
+                <a:solidFill>
+                  <a:schemeClr val="bg1">
+                    <a:lumMod val="65000"/>
+                  </a:schemeClr>
+                </a:solidFill>
+              </a:rPr>
+              <a:t>Geometric</a:t>
+            </a:r>
+          </a:p>
+          <a:p>
+            <a:pPr lvl="1">
+              <a:lnSpc>
+                <a:spcPct val="120000"/>
+              </a:lnSpc>
+            </a:pPr>
+            <a:r>
+              <a:rPr lang="en-US" sz="2000" dirty="0" smtClean="0">
+                <a:solidFill>
+                  <a:schemeClr val="bg1">
+                    <a:lumMod val="65000"/>
+                  </a:schemeClr>
+                </a:solidFill>
+              </a:rPr>
+              <a:t>Look before you leap</a:t>
+            </a:r>
+          </a:p>
+          <a:p>
+            <a:pPr lvl="1">
+              <a:lnSpc>
+                <a:spcPct val="120000"/>
+              </a:lnSpc>
+            </a:pPr>
+            <a:r>
+              <a:rPr lang="en-US" sz="2000" dirty="0" smtClean="0">
+                <a:solidFill>
+                  <a:schemeClr val="bg1">
+                    <a:lumMod val="65000"/>
+                  </a:schemeClr>
+                </a:solidFill>
+              </a:rPr>
+              <a:t>Faster hops over space</a:t>
+            </a:r>
+          </a:p>
+          <a:p>
+            <a:pPr>
+              <a:lnSpc>
+                <a:spcPct val="120000"/>
+              </a:lnSpc>
+            </a:pPr>
+            <a:r>
+              <a:rPr lang="en-US" sz="2400" dirty="0" smtClean="0">
+                <a:solidFill>
+                  <a:schemeClr val="bg1">
+                    <a:lumMod val="65000"/>
+                  </a:schemeClr>
+                </a:solidFill>
+              </a:rPr>
+              <a:t>Active learning:</a:t>
+            </a:r>
+          </a:p>
+          <a:p>
+            <a:pPr lvl="1">
+              <a:lnSpc>
+                <a:spcPct val="120000"/>
+              </a:lnSpc>
+            </a:pPr>
+            <a:r>
+              <a:rPr lang="en-US" sz="2000" dirty="0" smtClean="0">
+                <a:solidFill>
+                  <a:schemeClr val="bg1">
+                    <a:lumMod val="65000"/>
+                  </a:schemeClr>
+                </a:solidFill>
+              </a:rPr>
+              <a:t>Scoring  examples costs X.</a:t>
+            </a:r>
+          </a:p>
+          <a:p>
+            <a:pPr lvl="1">
+              <a:lnSpc>
+                <a:spcPct val="120000"/>
+              </a:lnSpc>
+            </a:pPr>
+            <a:r>
+              <a:rPr lang="en-US" sz="2000" dirty="0" smtClean="0">
+                <a:solidFill>
+                  <a:schemeClr val="bg1">
+                    <a:lumMod val="65000"/>
+                  </a:schemeClr>
+                </a:solidFill>
+              </a:rPr>
+              <a:t>Minimize sum of X</a:t>
+            </a:r>
+          </a:p>
+        </p:txBody>
+      </p:sp>
+      <p:pic>
+        <p:nvPicPr>
+          <p:cNvPr id="6" name="Picture 5" descr="051712_gale_force_photos_8.jpg"/>
+          <p:cNvPicPr>
+            <a:picLocks noChangeAspect="1"/>
+          </p:cNvPicPr>
+          <p:nvPr/>
+        </p:nvPicPr>
+        <p:blipFill>
+          <a:blip r:embed="rId2">
+            <a:extLst>
+              <a:ext uri="{28A0092B-C50C-407E-A947-70E740481C1C}">
+                <a14:useLocalDpi xmlns:a14="http://schemas.microsoft.com/office/drawing/2010/main" val="0"/>
+              </a:ext>
+            </a:extLst>
+          </a:blip>
+          <a:stretch>
+            <a:fillRect/>
+          </a:stretch>
+        </p:blipFill>
+        <p:spPr>
+          <a:xfrm>
+            <a:off x="4565187" y="-744"/>
+            <a:ext cx="4610746" cy="6916119"/>
+          </a:xfrm>
+          <a:prstGeom prst="rect">
+            <a:avLst/>
+          </a:prstGeom>
+        </p:spPr>
+      </p:pic>
+      <p:cxnSp>
+        <p:nvCxnSpPr>
+          <p:cNvPr id="8" name="Straight Arrow Connector 7"/>
+          <p:cNvCxnSpPr/>
+          <p:nvPr/>
+        </p:nvCxnSpPr>
+        <p:spPr>
+          <a:xfrm>
+            <a:off x="4343806" y="2677412"/>
+            <a:ext cx="965490" cy="198894"/>
+          </a:xfrm>
+          <a:prstGeom prst="straightConnector1">
+            <a:avLst/>
+          </a:prstGeom>
+          <a:ln w="57150" cmpd="sng">
+            <a:tailEnd type="arrow"/>
+          </a:ln>
+        </p:spPr>
+        <p:style>
+          <a:lnRef idx="2">
+            <a:schemeClr val="accent1"/>
+          </a:lnRef>
+          <a:fillRef idx="0">
+            <a:schemeClr val="accent1"/>
+          </a:fillRef>
+          <a:effectRef idx="1">
+            <a:schemeClr val="accent1"/>
+          </a:effectRef>
+          <a:fontRef idx="minor">
+            <a:schemeClr val="tx1"/>
+          </a:fontRef>
+        </p:style>
+      </p:cxnSp>
+    </p:spTree>
+    <p:extLst>
+      <p:ext uri="{BB962C8B-B14F-4D97-AF65-F5344CB8AC3E}">
+        <p14:creationId xmlns:p14="http://schemas.microsoft.com/office/powerpoint/2010/main" val="3541614255"/>
+      </p:ext>
+    </p:extLst>
+  </p:cSld>
+  <p:clrMapOvr>
+    <a:masterClrMapping/>
+  </p:clrMapOvr>
+  <p:timing>
+    <p:tnLst>
+      <p:par>
+        <p:cTn xmlns:p14="http://schemas.microsoft.com/office/powerpoint/2010/main" id="1" dur="indefinite" restart="never" nodeType="tmRoot"/>
+      </p:par>
+    </p:tnLst>
+  </p:timing>
+</p:sld>
+</file>
+
+<file path=ppt/slides/slide13.xml><?xml version="1.0" encoding="utf-8"?>
+<p:sld xmlns:a="http://schemas.openxmlformats.org/drawingml/2006/main" xmlns:r="http://schemas.openxmlformats.org/officeDocument/2006/relationships" xmlns:p="http://schemas.openxmlformats.org/presentationml/2006/main">
+  <p:cSld>
+    <p:spTree>
+      <p:nvGrpSpPr>
+        <p:cNvPr id="1" name=""/>
+        <p:cNvGrpSpPr/>
+        <p:nvPr/>
+      </p:nvGrpSpPr>
+      <p:grpSpPr>
+        <a:xfrm>
+          <a:off x="0" y="0"/>
+          <a:ext cx="0" cy="0"/>
+          <a:chOff x="0" y="0"/>
+          <a:chExt cx="0" cy="0"/>
+        </a:xfrm>
+      </p:grpSpPr>
+      <p:sp>
+        <p:nvSpPr>
+          <p:cNvPr id="2" name="Title 1"/>
+          <p:cNvSpPr>
+            <a:spLocks noGrp="1"/>
+          </p:cNvSpPr>
+          <p:nvPr>
+            <p:ph type="title"/>
+          </p:nvPr>
+        </p:nvSpPr>
+        <p:spPr/>
+        <p:txBody>
+          <a:bodyPr/>
+          <a:lstStyle/>
+          <a:p>
+            <a:r>
+              <a:rPr lang="en-US" dirty="0" smtClean="0"/>
+              <a:t>Models are </a:t>
+            </a:r>
+            <a:r>
+              <a:rPr lang="en-US" dirty="0" smtClean="0"/>
+              <a:t>everywhere</a:t>
+            </a:r>
+            <a:endParaRPr lang="en-US" dirty="0"/>
+          </a:p>
+        </p:txBody>
+      </p:sp>
+      <p:sp>
+        <p:nvSpPr>
+          <p:cNvPr id="3" name="Content Placeholder 2"/>
+          <p:cNvSpPr>
+            <a:spLocks noGrp="1"/>
+          </p:cNvSpPr>
+          <p:nvPr>
+            <p:ph sz="half" idx="1"/>
+          </p:nvPr>
+        </p:nvSpPr>
+        <p:spPr>
+          <a:xfrm>
+            <a:off x="317510" y="1612769"/>
+            <a:ext cx="5125516" cy="4525963"/>
+          </a:xfrm>
+        </p:spPr>
+        <p:txBody>
+          <a:bodyPr>
+            <a:noAutofit/>
+          </a:bodyPr>
+          <a:lstStyle/>
+          <a:p>
+            <a:r>
+              <a:rPr lang="en-US" sz="1800" dirty="0" smtClean="0"/>
+              <a:t>If you call an ambulance in London or New York, </a:t>
+            </a:r>
+          </a:p>
+          <a:p>
+            <a:pPr lvl="1"/>
+            <a:r>
+              <a:rPr lang="en-US" sz="1600" dirty="0" smtClean="0"/>
+              <a:t>those ambulances are controlled by emergency response models.</a:t>
+            </a:r>
+            <a:br>
+              <a:rPr lang="en-US" sz="1600" dirty="0" smtClean="0"/>
+            </a:br>
+            <a:endParaRPr lang="en-US" sz="1600" dirty="0" smtClean="0"/>
+          </a:p>
+          <a:p>
+            <a:r>
+              <a:rPr lang="en-US" sz="1800" dirty="0" smtClean="0"/>
+              <a:t>If you cross the border Arizona to Mexico, </a:t>
+            </a:r>
+          </a:p>
+          <a:p>
+            <a:pPr lvl="1"/>
+            <a:r>
+              <a:rPr lang="en-US" sz="1600" dirty="0" smtClean="0"/>
+              <a:t>A  models determines if you are  taken away for extra security measures.</a:t>
+            </a:r>
+            <a:br>
+              <a:rPr lang="en-US" sz="1600" dirty="0" smtClean="0"/>
+            </a:br>
+            <a:endParaRPr lang="en-US" sz="1600" dirty="0" smtClean="0"/>
+          </a:p>
+          <a:p>
+            <a:r>
+              <a:rPr lang="en-US" sz="1800" dirty="0" smtClean="0"/>
+              <a:t>If you default on your car loans,</a:t>
+            </a:r>
+          </a:p>
+          <a:p>
+            <a:pPr lvl="1"/>
+            <a:r>
+              <a:rPr lang="en-US" sz="1600" dirty="0"/>
+              <a:t>A</a:t>
+            </a:r>
+            <a:r>
+              <a:rPr lang="en-US" sz="1600" dirty="0" smtClean="0"/>
+              <a:t> model determines when (or if)   someone to repossess your car.</a:t>
+            </a:r>
+            <a:br>
+              <a:rPr lang="en-US" sz="1600" dirty="0" smtClean="0"/>
+            </a:br>
+            <a:endParaRPr lang="en-US" sz="1600" dirty="0" smtClean="0"/>
+          </a:p>
+          <a:p>
+            <a:r>
+              <a:rPr lang="en-US" sz="1800" dirty="0"/>
+              <a:t>I</a:t>
+            </a:r>
+            <a:r>
+              <a:rPr lang="en-US" sz="1800" dirty="0" smtClean="0"/>
+              <a:t>f the stock market crashes,</a:t>
+            </a:r>
+          </a:p>
+          <a:p>
+            <a:pPr lvl="1"/>
+            <a:r>
+              <a:rPr lang="en-US" sz="1600" dirty="0" smtClean="0"/>
+              <a:t> it might be that some model caused the crash.</a:t>
+            </a:r>
+          </a:p>
+          <a:p>
+            <a:pPr marL="0" indent="0">
+              <a:buNone/>
+            </a:pPr>
+            <a:endParaRPr lang="en-US" sz="1800" dirty="0" smtClean="0"/>
+          </a:p>
+        </p:txBody>
+      </p:sp>
+      <p:pic>
+        <p:nvPicPr>
+          <p:cNvPr id="9" name="Picture 8"/>
+          <p:cNvPicPr>
+            <a:picLocks noChangeAspect="1"/>
+          </p:cNvPicPr>
+          <p:nvPr/>
+        </p:nvPicPr>
+        <p:blipFill>
+          <a:blip r:embed="rId2"/>
+          <a:stretch>
+            <a:fillRect/>
+          </a:stretch>
+        </p:blipFill>
+        <p:spPr>
+          <a:xfrm>
+            <a:off x="5069849" y="2056253"/>
+            <a:ext cx="3883397" cy="3764953"/>
+          </a:xfrm>
+          <a:prstGeom prst="rect">
+            <a:avLst/>
+          </a:prstGeom>
+        </p:spPr>
+      </p:pic>
+    </p:spTree>
+    <p:extLst>
+      <p:ext uri="{BB962C8B-B14F-4D97-AF65-F5344CB8AC3E}">
+        <p14:creationId xmlns:p14="http://schemas.microsoft.com/office/powerpoint/2010/main" val="2290739188"/>
+      </p:ext>
+    </p:extLst>
+  </p:cSld>
+  <p:clrMapOvr>
+    <a:masterClrMapping/>
+  </p:clrMapOvr>
+  <p:timing>
+    <p:tnLst>
+      <p:par>
+        <p:cTn xmlns:p14="http://schemas.microsoft.com/office/powerpoint/2010/main" id="1" dur="indefinite" restart="never" nodeType="tmRoot"/>
+      </p:par>
+    </p:tnLst>
+  </p:timing>
+</p:sld>
+</file>
+
+<file path=ppt/slides/slide14.xml><?xml version="1.0" encoding="utf-8"?>
 <p:sld xmlns:a="http://schemas.openxmlformats.org/drawingml/2006/main" xmlns:r="http://schemas.openxmlformats.org/officeDocument/2006/relationships" xmlns:p="http://schemas.openxmlformats.org/presentationml/2006/main">
   <p:cSld>
     <p:spTree>
@@ -6106,528 +7201,7 @@
 </p:sld>
 </file>
 
-<file path=ppt/slides/slide12.xml><?xml version="1.0" encoding="utf-8"?>
-<p:sld xmlns:a="http://schemas.openxmlformats.org/drawingml/2006/main" xmlns:r="http://schemas.openxmlformats.org/officeDocument/2006/relationships" xmlns:p="http://schemas.openxmlformats.org/presentationml/2006/main">
-  <p:cSld>
-    <p:spTree>
-      <p:nvGrpSpPr>
-        <p:cNvPr id="1" name=""/>
-        <p:cNvGrpSpPr/>
-        <p:nvPr/>
-      </p:nvGrpSpPr>
-      <p:grpSpPr>
-        <a:xfrm>
-          <a:off x="0" y="0"/>
-          <a:ext cx="0" cy="0"/>
-          <a:chOff x="0" y="0"/>
-          <a:chExt cx="0" cy="0"/>
-        </a:xfrm>
-      </p:grpSpPr>
-      <p:sp>
-        <p:nvSpPr>
-          <p:cNvPr id="5" name="Title 4"/>
-          <p:cNvSpPr>
-            <a:spLocks noGrp="1"/>
-          </p:cNvSpPr>
-          <p:nvPr>
-            <p:ph type="title"/>
-          </p:nvPr>
-        </p:nvSpPr>
-        <p:spPr/>
-        <p:txBody>
-          <a:bodyPr/>
-          <a:lstStyle/>
-          <a:p>
-            <a:r>
-              <a:rPr lang="en-US" dirty="0" smtClean="0"/>
-              <a:t>Hitting the CPU ceiling </a:t>
-            </a:r>
-            <a:endParaRPr lang="en-US" dirty="0"/>
-          </a:p>
-        </p:txBody>
-      </p:sp>
-      <p:sp>
-        <p:nvSpPr>
-          <p:cNvPr id="12" name="Text Placeholder 8"/>
-          <p:cNvSpPr>
-            <a:spLocks noGrp="1"/>
-          </p:cNvSpPr>
-          <p:nvPr>
-            <p:ph type="body" sz="quarter" idx="3"/>
-          </p:nvPr>
-        </p:nvSpPr>
-        <p:spPr>
-          <a:xfrm>
-            <a:off x="460701" y="1516081"/>
-            <a:ext cx="8226099" cy="418666"/>
-          </a:xfrm>
-          <a:solidFill>
-            <a:srgbClr val="9F2021"/>
-          </a:solidFill>
-          <a:ln>
-            <a:solidFill>
-              <a:srgbClr val="9F2021"/>
-            </a:solidFill>
-          </a:ln>
-        </p:spPr>
-        <p:style>
-          <a:lnRef idx="2">
-            <a:schemeClr val="accent1">
-              <a:shade val="50000"/>
-            </a:schemeClr>
-          </a:lnRef>
-          <a:fillRef idx="1">
-            <a:schemeClr val="accent1"/>
-          </a:fillRef>
-          <a:effectRef idx="0">
-            <a:schemeClr val="accent1"/>
-          </a:effectRef>
-          <a:fontRef idx="minor">
-            <a:schemeClr val="lt1"/>
-          </a:fontRef>
-        </p:style>
-        <p:txBody>
-          <a:bodyPr>
-            <a:normAutofit fontScale="92500" lnSpcReduction="10000"/>
-          </a:bodyPr>
-          <a:lstStyle/>
-          <a:p>
-            <a:pPr algn="ctr"/>
-            <a:r>
-              <a:rPr lang="en-US" dirty="0" smtClean="0">
-                <a:solidFill>
-                  <a:schemeClr val="bg1"/>
-                </a:solidFill>
-              </a:rPr>
-              <a:t>More energy = pollution + cost</a:t>
-            </a:r>
-            <a:endParaRPr lang="en-US" dirty="0">
-              <a:solidFill>
-                <a:schemeClr val="bg1"/>
-              </a:solidFill>
-            </a:endParaRPr>
-          </a:p>
-        </p:txBody>
-      </p:sp>
-      <p:sp>
-        <p:nvSpPr>
-          <p:cNvPr id="13" name="Content Placeholder 6"/>
-          <p:cNvSpPr>
-            <a:spLocks noGrp="1"/>
-          </p:cNvSpPr>
-          <p:nvPr>
-            <p:ph sz="quarter" idx="4"/>
-          </p:nvPr>
-        </p:nvSpPr>
-        <p:spPr>
-          <a:xfrm>
-            <a:off x="447742" y="2051369"/>
-            <a:ext cx="5194710" cy="3951288"/>
-          </a:xfrm>
-        </p:spPr>
-        <p:txBody>
-          <a:bodyPr>
-            <a:normAutofit/>
-          </a:bodyPr>
-          <a:lstStyle/>
-          <a:p>
-            <a:r>
-              <a:rPr lang="en-US" sz="2000" dirty="0" smtClean="0"/>
-              <a:t>Making energy = making pollution</a:t>
-            </a:r>
-            <a:br>
-              <a:rPr lang="en-US" sz="2000" dirty="0" smtClean="0"/>
-            </a:br>
-            <a:r>
-              <a:rPr lang="en-US" sz="2000" dirty="0" smtClean="0"/>
-              <a:t/>
-            </a:r>
-            <a:br>
-              <a:rPr lang="en-US" sz="2000" dirty="0" smtClean="0"/>
-            </a:br>
-            <a:r>
-              <a:rPr lang="en-US" sz="2000" dirty="0" smtClean="0"/>
-              <a:t/>
-            </a:r>
-            <a:br>
-              <a:rPr lang="en-US" sz="2000" dirty="0" smtClean="0"/>
-            </a:br>
-            <a:r>
-              <a:rPr lang="en-US" sz="2000" dirty="0" smtClean="0"/>
-              <a:t/>
-            </a:r>
-            <a:br>
-              <a:rPr lang="en-US" sz="2000" dirty="0" smtClean="0"/>
-            </a:br>
-            <a:r>
-              <a:rPr lang="en-US" sz="2000" dirty="0" smtClean="0"/>
-              <a:t/>
-            </a:r>
-            <a:br>
-              <a:rPr lang="en-US" sz="2000" dirty="0" smtClean="0"/>
-            </a:br>
-            <a:r>
-              <a:rPr lang="en-US" sz="2000" dirty="0" smtClean="0"/>
-              <a:t/>
-            </a:r>
-            <a:br>
-              <a:rPr lang="en-US" sz="2000" dirty="0" smtClean="0"/>
-            </a:br>
-            <a:r>
-              <a:rPr lang="en-US" sz="2000" dirty="0" smtClean="0"/>
-              <a:t/>
-            </a:r>
-            <a:br>
-              <a:rPr lang="en-US" sz="2000" dirty="0" smtClean="0"/>
-            </a:br>
-            <a:endParaRPr lang="en-US" sz="2000" dirty="0" smtClean="0"/>
-          </a:p>
-          <a:p>
-            <a:r>
-              <a:rPr lang="en-US" sz="2000" dirty="0"/>
-              <a:t>C</a:t>
-            </a:r>
-            <a:r>
-              <a:rPr lang="en-US" sz="2000" dirty="0" smtClean="0"/>
-              <a:t>loud computation = heavily monetized</a:t>
-            </a:r>
-          </a:p>
-          <a:p>
-            <a:pPr lvl="1"/>
-            <a:r>
-              <a:rPr lang="en-US" dirty="0" smtClean="0"/>
-              <a:t>Everything costs: storage, uploads, downloads, CPU.</a:t>
-            </a:r>
-          </a:p>
-          <a:p>
-            <a:r>
-              <a:rPr lang="en-US" sz="2000" dirty="0" smtClean="0"/>
-              <a:t>Google: 1% reduction in CPU saves $millions</a:t>
-            </a:r>
-          </a:p>
-        </p:txBody>
-      </p:sp>
-      <p:pic>
-        <p:nvPicPr>
-          <p:cNvPr id="14" name="Picture 13"/>
-          <p:cNvPicPr>
-            <a:picLocks noChangeAspect="1"/>
-          </p:cNvPicPr>
-          <p:nvPr/>
-        </p:nvPicPr>
-        <p:blipFill>
-          <a:blip r:embed="rId2"/>
-          <a:stretch>
-            <a:fillRect/>
-          </a:stretch>
-        </p:blipFill>
-        <p:spPr>
-          <a:xfrm>
-            <a:off x="1412401" y="2591591"/>
-            <a:ext cx="2624903" cy="1734547"/>
-          </a:xfrm>
-          <a:prstGeom prst="rect">
-            <a:avLst/>
-          </a:prstGeom>
-        </p:spPr>
-      </p:pic>
-      <p:pic>
-        <p:nvPicPr>
-          <p:cNvPr id="15" name="Picture 14"/>
-          <p:cNvPicPr>
-            <a:picLocks noChangeAspect="1"/>
-          </p:cNvPicPr>
-          <p:nvPr/>
-        </p:nvPicPr>
-        <p:blipFill>
-          <a:blip r:embed="rId3"/>
-          <a:stretch>
-            <a:fillRect/>
-          </a:stretch>
-        </p:blipFill>
-        <p:spPr>
-          <a:xfrm>
-            <a:off x="5703483" y="2202851"/>
-            <a:ext cx="2962055" cy="3799806"/>
-          </a:xfrm>
-          <a:prstGeom prst="rect">
-            <a:avLst/>
-          </a:prstGeom>
-        </p:spPr>
-      </p:pic>
-    </p:spTree>
-    <p:extLst>
-      <p:ext uri="{BB962C8B-B14F-4D97-AF65-F5344CB8AC3E}">
-        <p14:creationId xmlns:p14="http://schemas.microsoft.com/office/powerpoint/2010/main" val="2396629526"/>
-      </p:ext>
-    </p:extLst>
-  </p:cSld>
-  <p:clrMapOvr>
-    <a:masterClrMapping/>
-  </p:clrMapOvr>
-  <p:timing>
-    <p:tnLst>
-      <p:par>
-        <p:cTn xmlns:p14="http://schemas.microsoft.com/office/powerpoint/2010/main" id="1" dur="indefinite" restart="never" nodeType="tmRoot"/>
-      </p:par>
-    </p:tnLst>
-  </p:timing>
-</p:sld>
-</file>
-
-<file path=ppt/slides/slide13.xml><?xml version="1.0" encoding="utf-8"?>
-<p:sld xmlns:a="http://schemas.openxmlformats.org/drawingml/2006/main" xmlns:r="http://schemas.openxmlformats.org/officeDocument/2006/relationships" xmlns:p="http://schemas.openxmlformats.org/presentationml/2006/main">
-  <p:cSld>
-    <p:spTree>
-      <p:nvGrpSpPr>
-        <p:cNvPr id="1" name=""/>
-        <p:cNvGrpSpPr/>
-        <p:nvPr/>
-      </p:nvGrpSpPr>
-      <p:grpSpPr>
-        <a:xfrm>
-          <a:off x="0" y="0"/>
-          <a:ext cx="0" cy="0"/>
-          <a:chOff x="0" y="0"/>
-          <a:chExt cx="0" cy="0"/>
-        </a:xfrm>
-      </p:grpSpPr>
-      <p:sp>
-        <p:nvSpPr>
-          <p:cNvPr id="5" name="Title 4"/>
-          <p:cNvSpPr>
-            <a:spLocks noGrp="1"/>
-          </p:cNvSpPr>
-          <p:nvPr>
-            <p:ph type="title"/>
-          </p:nvPr>
-        </p:nvSpPr>
-        <p:spPr/>
-        <p:txBody>
-          <a:bodyPr/>
-          <a:lstStyle/>
-          <a:p>
-            <a:r>
-              <a:rPr lang="en-US" dirty="0" smtClean="0"/>
-              <a:t>Hitting the CPU ceiling </a:t>
-            </a:r>
-            <a:endParaRPr lang="en-US" dirty="0"/>
-          </a:p>
-        </p:txBody>
-      </p:sp>
-      <p:sp>
-        <p:nvSpPr>
-          <p:cNvPr id="8" name="Text Placeholder 7"/>
-          <p:cNvSpPr>
-            <a:spLocks noGrp="1"/>
-          </p:cNvSpPr>
-          <p:nvPr>
-            <p:ph type="body" idx="1"/>
-          </p:nvPr>
-        </p:nvSpPr>
-        <p:spPr>
-          <a:xfrm>
-            <a:off x="457200" y="1535113"/>
-            <a:ext cx="8229600" cy="434497"/>
-          </a:xfrm>
-          <a:solidFill>
-            <a:srgbClr val="9F2021"/>
-          </a:solidFill>
-          <a:ln>
-            <a:noFill/>
-          </a:ln>
-        </p:spPr>
-        <p:style>
-          <a:lnRef idx="2">
-            <a:schemeClr val="accent1">
-              <a:shade val="50000"/>
-            </a:schemeClr>
-          </a:lnRef>
-          <a:fillRef idx="1">
-            <a:schemeClr val="accent1"/>
-          </a:fillRef>
-          <a:effectRef idx="0">
-            <a:schemeClr val="accent1"/>
-          </a:effectRef>
-          <a:fontRef idx="minor">
-            <a:schemeClr val="lt1"/>
-          </a:fontRef>
-        </p:style>
-        <p:txBody>
-          <a:bodyPr>
-            <a:normAutofit lnSpcReduction="10000"/>
-          </a:bodyPr>
-          <a:lstStyle/>
-          <a:p>
-            <a:pPr algn="ctr"/>
-            <a:r>
-              <a:rPr lang="en-US" dirty="0" smtClean="0">
-                <a:solidFill>
-                  <a:schemeClr val="bg1"/>
-                </a:solidFill>
-              </a:rPr>
-              <a:t>Moore’s Law is Dead</a:t>
-            </a:r>
-            <a:endParaRPr lang="en-US" dirty="0">
-              <a:solidFill>
-                <a:schemeClr val="bg1"/>
-              </a:solidFill>
-            </a:endParaRPr>
-          </a:p>
-        </p:txBody>
-      </p:sp>
-      <p:sp>
-        <p:nvSpPr>
-          <p:cNvPr id="6" name="Content Placeholder 5"/>
-          <p:cNvSpPr>
-            <a:spLocks noGrp="1"/>
-          </p:cNvSpPr>
-          <p:nvPr>
-            <p:ph sz="half" idx="2"/>
-          </p:nvPr>
-        </p:nvSpPr>
-        <p:spPr>
-          <a:xfrm>
-            <a:off x="457200" y="2667278"/>
-            <a:ext cx="3657162" cy="3267467"/>
-          </a:xfrm>
-        </p:spPr>
-        <p:txBody>
-          <a:bodyPr>
-            <a:normAutofit/>
-          </a:bodyPr>
-          <a:lstStyle/>
-          <a:p>
-            <a:r>
-              <a:rPr lang="en-US" sz="2000" dirty="0" smtClean="0"/>
-              <a:t>No more exponential increase in CPU speeds</a:t>
-            </a:r>
-          </a:p>
-          <a:p>
-            <a:pPr lvl="1"/>
-            <a:r>
-              <a:rPr lang="en-US" sz="1800" dirty="0" smtClean="0"/>
-              <a:t>power and heat issues</a:t>
-            </a:r>
-            <a:br>
-              <a:rPr lang="en-US" sz="1800" dirty="0" smtClean="0"/>
-            </a:br>
-            <a:r>
-              <a:rPr lang="en-US" sz="1800" dirty="0" smtClean="0"/>
-              <a:t/>
-            </a:r>
-            <a:br>
-              <a:rPr lang="en-US" sz="1800" dirty="0" smtClean="0"/>
-            </a:br>
-            <a:endParaRPr lang="en-US" sz="1800" dirty="0" smtClean="0"/>
-          </a:p>
-          <a:p>
-            <a:r>
-              <a:rPr lang="en-US" sz="2000" dirty="0" smtClean="0"/>
-              <a:t>Data centers consume 1.5% </a:t>
-            </a:r>
-            <a:br>
-              <a:rPr lang="en-US" sz="2000" dirty="0" smtClean="0"/>
-            </a:br>
-            <a:r>
-              <a:rPr lang="en-US" sz="2000" dirty="0" smtClean="0"/>
-              <a:t>of globally electrical output </a:t>
-            </a:r>
-          </a:p>
-          <a:p>
-            <a:pPr lvl="1"/>
-            <a:r>
-              <a:rPr lang="en-US" sz="1800" dirty="0" smtClean="0"/>
-              <a:t>And growing</a:t>
-            </a:r>
-          </a:p>
-          <a:p>
-            <a:pPr lvl="1"/>
-            <a:r>
-              <a:rPr lang="en-US" sz="1800" dirty="0" smtClean="0"/>
-              <a:t>2013: 91 billion </a:t>
-            </a:r>
-            <a:r>
-              <a:rPr lang="en-US" sz="1800" dirty="0" err="1" smtClean="0"/>
-              <a:t>Kwatt</a:t>
-            </a:r>
-            <a:r>
-              <a:rPr lang="en-US" sz="1800" dirty="0" smtClean="0"/>
-              <a:t> </a:t>
-            </a:r>
-            <a:r>
-              <a:rPr lang="en-US" sz="1800" dirty="0" err="1" smtClean="0"/>
-              <a:t>hrs</a:t>
-            </a:r>
-            <a:endParaRPr lang="en-US" sz="1800" dirty="0" smtClean="0"/>
-          </a:p>
-          <a:p>
-            <a:pPr lvl="1"/>
-            <a:r>
-              <a:rPr lang="en-US" sz="1800" dirty="0" smtClean="0"/>
-              <a:t>2020: 139 billion </a:t>
-            </a:r>
-            <a:r>
-              <a:rPr lang="en-US" sz="1800" dirty="0" err="1" smtClean="0"/>
-              <a:t>Kwatt</a:t>
-            </a:r>
-            <a:r>
-              <a:rPr lang="en-US" sz="1800" dirty="0" smtClean="0"/>
-              <a:t> </a:t>
-            </a:r>
-            <a:r>
-              <a:rPr lang="en-US" sz="1800" dirty="0" err="1" smtClean="0"/>
-              <a:t>hrs</a:t>
-            </a:r>
-            <a:endParaRPr lang="en-US" sz="1800" dirty="0" smtClean="0"/>
-          </a:p>
-        </p:txBody>
-      </p:sp>
-      <p:pic>
-        <p:nvPicPr>
-          <p:cNvPr id="12" name="Picture 11"/>
-          <p:cNvPicPr>
-            <a:picLocks noChangeAspect="1"/>
-          </p:cNvPicPr>
-          <p:nvPr/>
-        </p:nvPicPr>
-        <p:blipFill>
-          <a:blip r:embed="rId2"/>
-          <a:stretch>
-            <a:fillRect/>
-          </a:stretch>
-        </p:blipFill>
-        <p:spPr>
-          <a:xfrm>
-            <a:off x="4179157" y="2369245"/>
-            <a:ext cx="4572438" cy="2809837"/>
-          </a:xfrm>
-          <a:prstGeom prst="rect">
-            <a:avLst/>
-          </a:prstGeom>
-        </p:spPr>
-      </p:pic>
-    </p:spTree>
-    <p:extLst>
-      <p:ext uri="{BB962C8B-B14F-4D97-AF65-F5344CB8AC3E}">
-        <p14:creationId xmlns:p14="http://schemas.microsoft.com/office/powerpoint/2010/main" val="2193272953"/>
-      </p:ext>
-    </p:extLst>
-  </p:cSld>
-  <p:clrMapOvr>
-    <a:masterClrMapping/>
-  </p:clrMapOvr>
-  <p:timing>
-    <p:tnLst>
-      <p:par>
-        <p:cTn xmlns:p14="http://schemas.microsoft.com/office/powerpoint/2010/main" id="1" dur="indefinite" restart="never" nodeType="tmRoot"/>
-      </p:par>
-    </p:tnLst>
-  </p:timing>
-</p:sld>
-</file>
-
-<file path=ppt/slides/slide14.xml><?xml version="1.0" encoding="utf-8"?>
+<file path=ppt/slides/slide15.xml><?xml version="1.0" encoding="utf-8"?>
 <p:sld xmlns:a="http://schemas.openxmlformats.org/drawingml/2006/main" xmlns:r="http://schemas.openxmlformats.org/officeDocument/2006/relationships" xmlns:p="http://schemas.openxmlformats.org/presentationml/2006/main">
   <p:cSld>
     <p:spTree>
@@ -6929,7 +7503,7 @@
 </p:sld>
 </file>
 
-<file path=ppt/slides/slide15.xml><?xml version="1.0" encoding="utf-8"?>
+<file path=ppt/slides/slide16.xml><?xml version="1.0" encoding="utf-8"?>
 <p:sld xmlns:a="http://schemas.openxmlformats.org/drawingml/2006/main" xmlns:r="http://schemas.openxmlformats.org/officeDocument/2006/relationships" xmlns:p="http://schemas.openxmlformats.org/presentationml/2006/main">
   <p:cSld>
     <p:spTree>
@@ -7298,7 +7872,7 @@
 </p:sld>
 </file>
 
-<file path=ppt/slides/slide16.xml><?xml version="1.0" encoding="utf-8"?>
+<file path=ppt/slides/slide17.xml><?xml version="1.0" encoding="utf-8"?>
 <p:sld xmlns:a="http://schemas.openxmlformats.org/drawingml/2006/main" xmlns:r="http://schemas.openxmlformats.org/officeDocument/2006/relationships" xmlns:p="http://schemas.openxmlformats.org/presentationml/2006/main">
   <p:cSld>
     <p:spTree>
@@ -7661,7 +8235,7 @@
 </p:sld>
 </file>
 
-<file path=ppt/slides/slide17.xml><?xml version="1.0" encoding="utf-8"?>
+<file path=ppt/slides/slide18.xml><?xml version="1.0" encoding="utf-8"?>
 <p:sld xmlns:a="http://schemas.openxmlformats.org/drawingml/2006/main" xmlns:r="http://schemas.openxmlformats.org/officeDocument/2006/relationships" xmlns:p="http://schemas.openxmlformats.org/presentationml/2006/main">
   <p:cSld>
     <p:spTree>
@@ -7970,7 +8544,7 @@
 </p:sld>
 </file>
 
-<file path=ppt/slides/slide18.xml><?xml version="1.0" encoding="utf-8"?>
+<file path=ppt/slides/slide19.xml><?xml version="1.0" encoding="utf-8"?>
 <p:sld xmlns:a="http://schemas.openxmlformats.org/drawingml/2006/main" xmlns:r="http://schemas.openxmlformats.org/officeDocument/2006/relationships" xmlns:p="http://schemas.openxmlformats.org/presentationml/2006/main">
   <p:cSld>
     <p:spTree>
@@ -8281,7 +8855,95 @@
 </p:sld>
 </file>
 
-<file path=ppt/slides/slide19.xml><?xml version="1.0" encoding="utf-8"?>
+<file path=ppt/slides/slide2.xml><?xml version="1.0" encoding="utf-8"?>
+<p:sld xmlns:a="http://schemas.openxmlformats.org/drawingml/2006/main" xmlns:r="http://schemas.openxmlformats.org/officeDocument/2006/relationships" xmlns:p="http://schemas.openxmlformats.org/presentationml/2006/main">
+  <p:cSld>
+    <p:spTree>
+      <p:nvGrpSpPr>
+        <p:cNvPr id="1" name=""/>
+        <p:cNvGrpSpPr/>
+        <p:nvPr/>
+      </p:nvGrpSpPr>
+      <p:grpSpPr>
+        <a:xfrm>
+          <a:off x="0" y="0"/>
+          <a:ext cx="0" cy="0"/>
+          <a:chOff x="0" y="0"/>
+          <a:chExt cx="0" cy="0"/>
+        </a:xfrm>
+      </p:grpSpPr>
+      <p:sp>
+        <p:nvSpPr>
+          <p:cNvPr id="2" name="Title 1"/>
+          <p:cNvSpPr>
+            <a:spLocks noGrp="1"/>
+          </p:cNvSpPr>
+          <p:nvPr>
+            <p:ph type="title"/>
+          </p:nvPr>
+        </p:nvSpPr>
+        <p:spPr/>
+        <p:txBody>
+          <a:bodyPr/>
+          <a:lstStyle/>
+          <a:p>
+            <a:r>
+              <a:rPr lang="en-US" dirty="0" smtClean="0"/>
+              <a:t>Today’s task</a:t>
+            </a:r>
+            <a:endParaRPr lang="en-US" dirty="0"/>
+          </a:p>
+        </p:txBody>
+      </p:sp>
+      <p:sp>
+        <p:nvSpPr>
+          <p:cNvPr id="3" name="Content Placeholder 2"/>
+          <p:cNvSpPr>
+            <a:spLocks noGrp="1"/>
+          </p:cNvSpPr>
+          <p:nvPr>
+            <p:ph idx="1"/>
+          </p:nvPr>
+        </p:nvSpPr>
+        <p:spPr/>
+        <p:txBody>
+          <a:bodyPr/>
+          <a:lstStyle/>
+          <a:p>
+            <a:r>
+              <a:rPr lang="en-US" dirty="0" smtClean="0"/>
+              <a:t>Simpler (shorter) decisions</a:t>
+            </a:r>
+          </a:p>
+          <a:p>
+            <a:r>
+              <a:rPr lang="en-US" dirty="0" smtClean="0"/>
+              <a:t>From complex multi-objective models</a:t>
+            </a:r>
+          </a:p>
+          <a:p>
+            <a:r>
+              <a:rPr lang="en-US" dirty="0" smtClean="0"/>
+              <a:t>Using less CPU</a:t>
+            </a:r>
+            <a:endParaRPr lang="en-US" dirty="0"/>
+          </a:p>
+        </p:txBody>
+      </p:sp>
+    </p:spTree>
+    <p:extLst>
+      <p:ext uri="{BB962C8B-B14F-4D97-AF65-F5344CB8AC3E}">
+        <p14:creationId xmlns:p14="http://schemas.microsoft.com/office/powerpoint/2010/main" val="1528132587"/>
+      </p:ext>
+    </p:extLst>
+  </p:cSld>
+  <p:clrMapOvr>
+    <a:masterClrMapping/>
+  </p:clrMapOvr>
+</p:sld>
+</file>
+
+<file path=ppt/slides/slide20.xml><?xml version="1.0" encoding="utf-8"?>
 <p:sld xmlns:a="http://schemas.openxmlformats.org/drawingml/2006/main" xmlns:r="http://schemas.openxmlformats.org/officeDocument/2006/relationships" xmlns:p="http://schemas.openxmlformats.org/presentationml/2006/main">
   <p:cSld>
     <p:spTree>
@@ -8687,298 +9349,7 @@
 </p:sld>
 </file>
 
-<file path=ppt/slides/slide2.xml><?xml version="1.0" encoding="utf-8"?>
-<p:sld xmlns:a="http://schemas.openxmlformats.org/drawingml/2006/main" xmlns:r="http://schemas.openxmlformats.org/officeDocument/2006/relationships" xmlns:p="http://schemas.openxmlformats.org/presentationml/2006/main">
-  <p:cSld>
-    <p:spTree>
-      <p:nvGrpSpPr>
-        <p:cNvPr id="1" name=""/>
-        <p:cNvGrpSpPr/>
-        <p:nvPr/>
-      </p:nvGrpSpPr>
-      <p:grpSpPr>
-        <a:xfrm>
-          <a:off x="0" y="0"/>
-          <a:ext cx="0" cy="0"/>
-          <a:chOff x="0" y="0"/>
-          <a:chExt cx="0" cy="0"/>
-        </a:xfrm>
-      </p:grpSpPr>
-      <p:sp>
-        <p:nvSpPr>
-          <p:cNvPr id="2" name="Title 1"/>
-          <p:cNvSpPr>
-            <a:spLocks noGrp="1"/>
-          </p:cNvSpPr>
-          <p:nvPr>
-            <p:ph type="title"/>
-          </p:nvPr>
-        </p:nvSpPr>
-        <p:spPr>
-          <a:xfrm>
-            <a:off x="441324" y="285582"/>
-            <a:ext cx="8286513" cy="1143000"/>
-          </a:xfrm>
-        </p:spPr>
-        <p:txBody>
-          <a:bodyPr>
-            <a:normAutofit/>
-          </a:bodyPr>
-          <a:lstStyle/>
-          <a:p>
-            <a:pPr algn="l">
-              <a:lnSpc>
-                <a:spcPct val="80000"/>
-              </a:lnSpc>
-            </a:pPr>
-            <a:r>
-              <a:rPr lang="en-US" dirty="0" smtClean="0"/>
-              <a:t>Roadmap</a:t>
-            </a:r>
-            <a:endParaRPr lang="en-US" dirty="0"/>
-          </a:p>
-        </p:txBody>
-      </p:sp>
-      <p:sp>
-        <p:nvSpPr>
-          <p:cNvPr id="3" name="Content Placeholder 2"/>
-          <p:cNvSpPr>
-            <a:spLocks noGrp="1"/>
-          </p:cNvSpPr>
-          <p:nvPr>
-            <p:ph idx="1"/>
-          </p:nvPr>
-        </p:nvSpPr>
-        <p:spPr>
-          <a:xfrm>
-            <a:off x="457199" y="1505078"/>
-            <a:ext cx="4290681" cy="4843336"/>
-          </a:xfrm>
-        </p:spPr>
-        <p:txBody>
-          <a:bodyPr>
-            <a:normAutofit fontScale="92500" lnSpcReduction="10000"/>
-          </a:bodyPr>
-          <a:lstStyle/>
-          <a:p>
-            <a:pPr>
-              <a:lnSpc>
-                <a:spcPct val="120000"/>
-              </a:lnSpc>
-            </a:pPr>
-            <a:r>
-              <a:rPr lang="en-US" sz="2400" dirty="0" smtClean="0"/>
-              <a:t>Journal-first</a:t>
-            </a:r>
-          </a:p>
-          <a:p>
-            <a:pPr>
-              <a:lnSpc>
-                <a:spcPct val="120000"/>
-              </a:lnSpc>
-            </a:pPr>
-            <a:r>
-              <a:rPr lang="en-US" sz="2400" dirty="0" smtClean="0"/>
-              <a:t>GALE</a:t>
-            </a:r>
-          </a:p>
-          <a:p>
-            <a:pPr lvl="1">
-              <a:lnSpc>
-                <a:spcPct val="120000"/>
-              </a:lnSpc>
-            </a:pPr>
-            <a:r>
-              <a:rPr lang="en-US" sz="2000" dirty="0" smtClean="0"/>
-              <a:t>strong force to push you around</a:t>
-            </a:r>
-          </a:p>
-          <a:p>
-            <a:pPr>
-              <a:lnSpc>
-                <a:spcPct val="120000"/>
-              </a:lnSpc>
-            </a:pPr>
-            <a:r>
-              <a:rPr lang="en-US" sz="2400" dirty="0" smtClean="0"/>
-              <a:t>Search-based SE</a:t>
-            </a:r>
-          </a:p>
-          <a:p>
-            <a:pPr lvl="1">
-              <a:lnSpc>
-                <a:spcPct val="120000"/>
-              </a:lnSpc>
-            </a:pPr>
-            <a:r>
-              <a:rPr lang="en-US" sz="2000" dirty="0" smtClean="0"/>
-              <a:t>The future of SE</a:t>
-            </a:r>
-          </a:p>
-          <a:p>
-            <a:pPr lvl="1">
-              <a:lnSpc>
-                <a:spcPct val="120000"/>
-              </a:lnSpc>
-            </a:pPr>
-            <a:r>
-              <a:rPr lang="en-US" sz="2000" dirty="0" smtClean="0"/>
-              <a:t>Why we explore with GALE</a:t>
-            </a:r>
-            <a:endParaRPr lang="en-US" sz="2000" dirty="0" smtClean="0"/>
-          </a:p>
-          <a:p>
-            <a:pPr>
-              <a:lnSpc>
-                <a:spcPct val="120000"/>
-              </a:lnSpc>
-            </a:pPr>
-            <a:r>
-              <a:rPr lang="en-US" sz="2400" dirty="0" smtClean="0"/>
-              <a:t>Geometric</a:t>
-            </a:r>
-          </a:p>
-          <a:p>
-            <a:pPr lvl="1">
-              <a:lnSpc>
-                <a:spcPct val="120000"/>
-              </a:lnSpc>
-            </a:pPr>
-            <a:r>
-              <a:rPr lang="en-US" sz="2000" dirty="0" smtClean="0"/>
-              <a:t>Look before you leap</a:t>
-            </a:r>
-          </a:p>
-          <a:p>
-            <a:pPr lvl="1">
-              <a:lnSpc>
-                <a:spcPct val="120000"/>
-              </a:lnSpc>
-            </a:pPr>
-            <a:r>
-              <a:rPr lang="en-US" sz="2000" dirty="0" smtClean="0"/>
-              <a:t>Faster hops over the space</a:t>
-            </a:r>
-          </a:p>
-          <a:p>
-            <a:pPr>
-              <a:lnSpc>
-                <a:spcPct val="120000"/>
-              </a:lnSpc>
-            </a:pPr>
-            <a:r>
-              <a:rPr lang="en-US" sz="2400" dirty="0" smtClean="0"/>
-              <a:t>Active learning:</a:t>
-            </a:r>
-          </a:p>
-          <a:p>
-            <a:pPr lvl="1">
-              <a:lnSpc>
-                <a:spcPct val="120000"/>
-              </a:lnSpc>
-            </a:pPr>
-            <a:r>
-              <a:rPr lang="en-US" sz="2000" dirty="0" smtClean="0"/>
-              <a:t>Scoring  examples costs X.</a:t>
-            </a:r>
-          </a:p>
-          <a:p>
-            <a:pPr lvl="1">
-              <a:lnSpc>
-                <a:spcPct val="120000"/>
-              </a:lnSpc>
-            </a:pPr>
-            <a:r>
-              <a:rPr lang="en-US" sz="2000" dirty="0" smtClean="0"/>
-              <a:t>Minimize sum of X</a:t>
-            </a:r>
-          </a:p>
-        </p:txBody>
-      </p:sp>
-      <p:pic>
-        <p:nvPicPr>
-          <p:cNvPr id="6" name="Picture 5" descr="051712_gale_force_photos_8.jpg"/>
-          <p:cNvPicPr>
-            <a:picLocks noChangeAspect="1"/>
-          </p:cNvPicPr>
-          <p:nvPr/>
-        </p:nvPicPr>
-        <p:blipFill>
-          <a:blip r:embed="rId2">
-            <a:extLst>
-              <a:ext uri="{28A0092B-C50C-407E-A947-70E740481C1C}">
-                <a14:useLocalDpi xmlns:a14="http://schemas.microsoft.com/office/drawing/2010/main" val="0"/>
-              </a:ext>
-            </a:extLst>
-          </a:blip>
-          <a:stretch>
-            <a:fillRect/>
-          </a:stretch>
-        </p:blipFill>
-        <p:spPr>
-          <a:xfrm>
-            <a:off x="4565187" y="-744"/>
-            <a:ext cx="4610746" cy="6916119"/>
-          </a:xfrm>
-          <a:prstGeom prst="rect">
-            <a:avLst/>
-          </a:prstGeom>
-        </p:spPr>
-      </p:pic>
-      <p:cxnSp>
-        <p:nvCxnSpPr>
-          <p:cNvPr id="8" name="Straight Arrow Connector 7"/>
-          <p:cNvCxnSpPr/>
-          <p:nvPr/>
-        </p:nvCxnSpPr>
-        <p:spPr>
-          <a:xfrm>
-            <a:off x="4343806" y="2757620"/>
-            <a:ext cx="965490" cy="198894"/>
-          </a:xfrm>
-          <a:prstGeom prst="straightConnector1">
-            <a:avLst/>
-          </a:prstGeom>
-          <a:ln w="57150" cmpd="sng">
-            <a:tailEnd type="arrow"/>
-          </a:ln>
-        </p:spPr>
-        <p:style>
-          <a:lnRef idx="2">
-            <a:schemeClr val="accent1"/>
-          </a:lnRef>
-          <a:fillRef idx="0">
-            <a:schemeClr val="accent1"/>
-          </a:fillRef>
-          <a:effectRef idx="1">
-            <a:schemeClr val="accent1"/>
-          </a:effectRef>
-          <a:fontRef idx="minor">
-            <a:schemeClr val="tx1"/>
-          </a:fontRef>
-        </p:style>
-      </p:cxnSp>
-    </p:spTree>
-    <p:extLst>
-      <p:ext uri="{BB962C8B-B14F-4D97-AF65-F5344CB8AC3E}">
-        <p14:creationId xmlns:p14="http://schemas.microsoft.com/office/powerpoint/2010/main" val="2546250039"/>
-      </p:ext>
-    </p:extLst>
-  </p:cSld>
-  <p:clrMapOvr>
-    <a:masterClrMapping/>
-  </p:clrMapOvr>
-  <p:timing>
-    <p:tnLst>
-      <p:par>
-        <p:cTn xmlns:p14="http://schemas.microsoft.com/office/powerpoint/2010/main" id="1" dur="indefinite" restart="never" nodeType="tmRoot"/>
-      </p:par>
-    </p:tnLst>
-  </p:timing>
-</p:sld>
-</file>
-
-<file path=ppt/slides/slide20.xml><?xml version="1.0" encoding="utf-8"?>
+<file path=ppt/slides/slide21.xml><?xml version="1.0" encoding="utf-8"?>
 <p:sld xmlns:a="http://schemas.openxmlformats.org/drawingml/2006/main" xmlns:r="http://schemas.openxmlformats.org/officeDocument/2006/relationships" xmlns:p="http://schemas.openxmlformats.org/presentationml/2006/main">
   <p:cSld>
     <p:spTree>
@@ -9408,7 +9779,7 @@
 </p:sld>
 </file>
 
-<file path=ppt/slides/slide21.xml><?xml version="1.0" encoding="utf-8"?>
+<file path=ppt/slides/slide22.xml><?xml version="1.0" encoding="utf-8"?>
 <p:sld xmlns:a="http://schemas.openxmlformats.org/drawingml/2006/main" xmlns:r="http://schemas.openxmlformats.org/officeDocument/2006/relationships" xmlns:p="http://schemas.openxmlformats.org/presentationml/2006/main">
   <p:cSld>
     <p:spTree>
@@ -9868,7 +10239,7 @@
 </p:sld>
 </file>
 
-<file path=ppt/slides/slide22.xml><?xml version="1.0" encoding="utf-8"?>
+<file path=ppt/slides/slide23.xml><?xml version="1.0" encoding="utf-8"?>
 <p:sld xmlns:a="http://schemas.openxmlformats.org/drawingml/2006/main" xmlns:r="http://schemas.openxmlformats.org/officeDocument/2006/relationships" xmlns:p="http://schemas.openxmlformats.org/presentationml/2006/main">
   <p:cSld>
     <p:spTree>
@@ -10289,7 +10660,7 @@
 </p:sld>
 </file>
 
-<file path=ppt/slides/slide23.xml><?xml version="1.0" encoding="utf-8"?>
+<file path=ppt/slides/slide24.xml><?xml version="1.0" encoding="utf-8"?>
 <p:sld xmlns:a="http://schemas.openxmlformats.org/drawingml/2006/main" xmlns:r="http://schemas.openxmlformats.org/officeDocument/2006/relationships" xmlns:p="http://schemas.openxmlformats.org/presentationml/2006/main">
   <p:cSld>
     <p:spTree>
@@ -10641,7 +11012,7 @@
 </p:sld>
 </file>
 
-<file path=ppt/slides/slide24.xml><?xml version="1.0" encoding="utf-8"?>
+<file path=ppt/slides/slide25.xml><?xml version="1.0" encoding="utf-8"?>
 <p:sld xmlns:a="http://schemas.openxmlformats.org/drawingml/2006/main" xmlns:r="http://schemas.openxmlformats.org/officeDocument/2006/relationships" xmlns:p="http://schemas.openxmlformats.org/presentationml/2006/main">
   <p:cSld>
     <p:spTree>
@@ -11132,7 +11503,7 @@
 </p:sld>
 </file>
 
-<file path=ppt/slides/slide25.xml><?xml version="1.0" encoding="utf-8"?>
+<file path=ppt/slides/slide26.xml><?xml version="1.0" encoding="utf-8"?>
 <p:sld xmlns:a="http://schemas.openxmlformats.org/drawingml/2006/main" xmlns:r="http://schemas.openxmlformats.org/officeDocument/2006/relationships" xmlns:p="http://schemas.openxmlformats.org/presentationml/2006/main">
   <p:cSld>
     <p:spTree>
@@ -11502,7 +11873,7 @@
 </p:sld>
 </file>
 
-<file path=ppt/slides/slide26.xml><?xml version="1.0" encoding="utf-8"?>
+<file path=ppt/slides/slide27.xml><?xml version="1.0" encoding="utf-8"?>
 <p:sld xmlns:a="http://schemas.openxmlformats.org/drawingml/2006/main" xmlns:r="http://schemas.openxmlformats.org/officeDocument/2006/relationships" xmlns:p="http://schemas.openxmlformats.org/presentationml/2006/main">
   <p:cSld>
     <p:spTree>
@@ -12011,7 +12382,7 @@
 </p:sld>
 </file>
 
-<file path=ppt/slides/slide27.xml><?xml version="1.0" encoding="utf-8"?>
+<file path=ppt/slides/slide28.xml><?xml version="1.0" encoding="utf-8"?>
 <p:sld xmlns:a="http://schemas.openxmlformats.org/drawingml/2006/main" xmlns:r="http://schemas.openxmlformats.org/officeDocument/2006/relationships" xmlns:p="http://schemas.openxmlformats.org/presentationml/2006/main">
   <p:cSld>
     <p:spTree>
@@ -12374,7 +12745,7 @@
 </p:sld>
 </file>
 
-<file path=ppt/slides/slide28.xml><?xml version="1.0" encoding="utf-8"?>
+<file path=ppt/slides/slide29.xml><?xml version="1.0" encoding="utf-8"?>
 <p:sld xmlns:a="http://schemas.openxmlformats.org/drawingml/2006/main" xmlns:r="http://schemas.openxmlformats.org/officeDocument/2006/relationships" xmlns:p="http://schemas.openxmlformats.org/presentationml/2006/main">
   <p:cSld>
     <p:spTree>
@@ -12710,7 +13081,137 @@
 </p:sld>
 </file>
 
-<file path=ppt/slides/slide29.xml><?xml version="1.0" encoding="utf-8"?>
+<file path=ppt/slides/slide3.xml><?xml version="1.0" encoding="utf-8"?>
+<p:sld xmlns:a="http://schemas.openxmlformats.org/drawingml/2006/main" xmlns:r="http://schemas.openxmlformats.org/officeDocument/2006/relationships" xmlns:p="http://schemas.openxmlformats.org/presentationml/2006/main">
+  <p:cSld>
+    <p:spTree>
+      <p:nvGrpSpPr>
+        <p:cNvPr id="1" name=""/>
+        <p:cNvGrpSpPr/>
+        <p:nvPr/>
+      </p:nvGrpSpPr>
+      <p:grpSpPr>
+        <a:xfrm>
+          <a:off x="0" y="0"/>
+          <a:ext cx="0" cy="0"/>
+          <a:chOff x="0" y="0"/>
+          <a:chExt cx="0" cy="0"/>
+        </a:xfrm>
+      </p:grpSpPr>
+      <p:sp>
+        <p:nvSpPr>
+          <p:cNvPr id="6" name="Title 5"/>
+          <p:cNvSpPr>
+            <a:spLocks noGrp="1"/>
+          </p:cNvSpPr>
+          <p:nvPr>
+            <p:ph type="title"/>
+          </p:nvPr>
+        </p:nvSpPr>
+        <p:spPr/>
+        <p:txBody>
+          <a:bodyPr/>
+          <a:lstStyle/>
+          <a:p>
+            <a:r>
+              <a:rPr lang="en-US" dirty="0" smtClean="0"/>
+              <a:t>Search-based SE wants your CPUs</a:t>
+            </a:r>
+            <a:endParaRPr lang="en-US" dirty="0"/>
+          </a:p>
+        </p:txBody>
+      </p:sp>
+      <p:sp>
+        <p:nvSpPr>
+          <p:cNvPr id="8" name="Content Placeholder 7"/>
+          <p:cNvSpPr>
+            <a:spLocks noGrp="1"/>
+          </p:cNvSpPr>
+          <p:nvPr>
+            <p:ph idx="1"/>
+          </p:nvPr>
+        </p:nvSpPr>
+        <p:spPr>
+          <a:xfrm>
+            <a:off x="884976" y="5162755"/>
+            <a:ext cx="8356747" cy="2655509"/>
+          </a:xfrm>
+        </p:spPr>
+        <p:txBody>
+          <a:bodyPr/>
+          <a:lstStyle/>
+          <a:p>
+            <a:pPr marL="0" indent="0">
+              <a:buNone/>
+            </a:pPr>
+            <a:r>
+              <a:rPr lang="en-US" dirty="0" smtClean="0"/>
+              <a:t>Because after “big data” comes “big models”</a:t>
+            </a:r>
+          </a:p>
+          <a:p>
+            <a:pPr marL="0" indent="0">
+              <a:buNone/>
+            </a:pPr>
+            <a:r>
+              <a:rPr lang="en-US" dirty="0" smtClean="0"/>
+              <a:t>Collect all that data– and summarize it</a:t>
+            </a:r>
+            <a:endParaRPr lang="en-US" dirty="0"/>
+          </a:p>
+        </p:txBody>
+      </p:sp>
+      <p:pic>
+        <p:nvPicPr>
+          <p:cNvPr id="7" name="Picture 6" descr="Screen Shot 2013-12-21 at 9.00.13 PM.png"/>
+          <p:cNvPicPr>
+            <a:picLocks noChangeAspect="1"/>
+          </p:cNvPicPr>
+          <p:nvPr/>
+        </p:nvPicPr>
+        <p:blipFill>
+          <a:blip r:embed="rId2">
+            <a:extLst>
+              <a:ext uri="{28A0092B-C50C-407E-A947-70E740481C1C}">
+                <a14:useLocalDpi xmlns:a14="http://schemas.microsoft.com/office/drawing/2010/main" val="0"/>
+              </a:ext>
+            </a:extLst>
+          </a:blip>
+          <a:stretch>
+            <a:fillRect/>
+          </a:stretch>
+        </p:blipFill>
+        <p:spPr>
+          <a:xfrm>
+            <a:off x="1530056" y="1342127"/>
+            <a:ext cx="6049566" cy="3899901"/>
+          </a:xfrm>
+          <a:prstGeom prst="rect">
+            <a:avLst/>
+          </a:prstGeom>
+        </p:spPr>
+      </p:pic>
+    </p:spTree>
+    <p:extLst>
+      <p:ext uri="{BB962C8B-B14F-4D97-AF65-F5344CB8AC3E}">
+        <p14:creationId xmlns:p14="http://schemas.microsoft.com/office/powerpoint/2010/main" val="1886066008"/>
+      </p:ext>
+    </p:extLst>
+  </p:cSld>
+  <p:clrMapOvr>
+    <a:masterClrMapping/>
+  </p:clrMapOvr>
+  <p:timing>
+    <p:tnLst>
+      <p:par>
+        <p:cTn xmlns:p14="http://schemas.microsoft.com/office/powerpoint/2010/main" id="1" dur="indefinite" restart="never" nodeType="tmRoot"/>
+      </p:par>
+    </p:tnLst>
+  </p:timing>
+</p:sld>
+</file>
+
+<file path=ppt/slides/slide30.xml><?xml version="1.0" encoding="utf-8"?>
 <p:sld xmlns:a="http://schemas.openxmlformats.org/drawingml/2006/main" xmlns:r="http://schemas.openxmlformats.org/officeDocument/2006/relationships" xmlns:p="http://schemas.openxmlformats.org/presentationml/2006/main">
   <p:cSld>
     <p:spTree>
@@ -13766,374 +14267,7 @@
 </p:sld>
 </file>
 
-<file path=ppt/slides/slide3.xml><?xml version="1.0" encoding="utf-8"?>
-<p:sld xmlns:a="http://schemas.openxmlformats.org/drawingml/2006/main" xmlns:r="http://schemas.openxmlformats.org/officeDocument/2006/relationships" xmlns:p="http://schemas.openxmlformats.org/presentationml/2006/main">
-  <p:cSld>
-    <p:spTree>
-      <p:nvGrpSpPr>
-        <p:cNvPr id="1" name=""/>
-        <p:cNvGrpSpPr/>
-        <p:nvPr/>
-      </p:nvGrpSpPr>
-      <p:grpSpPr>
-        <a:xfrm>
-          <a:off x="0" y="0"/>
-          <a:ext cx="0" cy="0"/>
-          <a:chOff x="0" y="0"/>
-          <a:chExt cx="0" cy="0"/>
-        </a:xfrm>
-      </p:grpSpPr>
-      <p:sp>
-        <p:nvSpPr>
-          <p:cNvPr id="2" name="Title 1"/>
-          <p:cNvSpPr>
-            <a:spLocks noGrp="1"/>
-          </p:cNvSpPr>
-          <p:nvPr>
-            <p:ph type="title"/>
-          </p:nvPr>
-        </p:nvSpPr>
-        <p:spPr>
-          <a:xfrm>
-            <a:off x="441324" y="285582"/>
-            <a:ext cx="8286513" cy="1143000"/>
-          </a:xfrm>
-        </p:spPr>
-        <p:txBody>
-          <a:bodyPr>
-            <a:normAutofit/>
-          </a:bodyPr>
-          <a:lstStyle/>
-          <a:p>
-            <a:pPr algn="l">
-              <a:lnSpc>
-                <a:spcPct val="80000"/>
-              </a:lnSpc>
-            </a:pPr>
-            <a:r>
-              <a:rPr lang="en-US" dirty="0" smtClean="0"/>
-              <a:t>Roadmap</a:t>
-            </a:r>
-            <a:endParaRPr lang="en-US" dirty="0"/>
-          </a:p>
-        </p:txBody>
-      </p:sp>
-      <p:sp>
-        <p:nvSpPr>
-          <p:cNvPr id="3" name="Content Placeholder 2"/>
-          <p:cNvSpPr>
-            <a:spLocks noGrp="1"/>
-          </p:cNvSpPr>
-          <p:nvPr>
-            <p:ph idx="1"/>
-          </p:nvPr>
-        </p:nvSpPr>
-        <p:spPr>
-          <a:xfrm>
-            <a:off x="457199" y="1505078"/>
-            <a:ext cx="4290681" cy="4843336"/>
-          </a:xfrm>
-        </p:spPr>
-        <p:txBody>
-          <a:bodyPr>
-            <a:normAutofit fontScale="92500" lnSpcReduction="10000"/>
-          </a:bodyPr>
-          <a:lstStyle/>
-          <a:p>
-            <a:pPr>
-              <a:lnSpc>
-                <a:spcPct val="120000"/>
-              </a:lnSpc>
-            </a:pPr>
-            <a:r>
-              <a:rPr lang="en-US" sz="2400" dirty="0" smtClean="0">
-                <a:solidFill>
-                  <a:srgbClr val="9F2021"/>
-                </a:solidFill>
-              </a:rPr>
-              <a:t>Journal-first</a:t>
-            </a:r>
-          </a:p>
-          <a:p>
-            <a:pPr>
-              <a:lnSpc>
-                <a:spcPct val="120000"/>
-              </a:lnSpc>
-            </a:pPr>
-            <a:r>
-              <a:rPr lang="en-US" sz="2400" dirty="0" smtClean="0">
-                <a:solidFill>
-                  <a:schemeClr val="bg1">
-                    <a:lumMod val="65000"/>
-                  </a:schemeClr>
-                </a:solidFill>
-              </a:rPr>
-              <a:t>GALE</a:t>
-            </a:r>
-          </a:p>
-          <a:p>
-            <a:pPr lvl="1">
-              <a:lnSpc>
-                <a:spcPct val="120000"/>
-              </a:lnSpc>
-            </a:pPr>
-            <a:r>
-              <a:rPr lang="en-US" sz="2000" dirty="0" smtClean="0">
-                <a:solidFill>
-                  <a:schemeClr val="bg1">
-                    <a:lumMod val="65000"/>
-                  </a:schemeClr>
-                </a:solidFill>
-              </a:rPr>
-              <a:t>strong force to push you around</a:t>
-            </a:r>
-          </a:p>
-          <a:p>
-            <a:pPr>
-              <a:lnSpc>
-                <a:spcPct val="120000"/>
-              </a:lnSpc>
-            </a:pPr>
-            <a:r>
-              <a:rPr lang="en-US" sz="2400" dirty="0" smtClean="0">
-                <a:solidFill>
-                  <a:schemeClr val="bg1">
-                    <a:lumMod val="65000"/>
-                  </a:schemeClr>
-                </a:solidFill>
-              </a:rPr>
-              <a:t>Search-based SE</a:t>
-            </a:r>
-          </a:p>
-          <a:p>
-            <a:pPr lvl="1">
-              <a:lnSpc>
-                <a:spcPct val="120000"/>
-              </a:lnSpc>
-            </a:pPr>
-            <a:r>
-              <a:rPr lang="en-US" sz="2000" dirty="0" smtClean="0">
-                <a:solidFill>
-                  <a:schemeClr val="bg1">
-                    <a:lumMod val="65000"/>
-                  </a:schemeClr>
-                </a:solidFill>
-              </a:rPr>
-              <a:t>The future of SE</a:t>
-            </a:r>
-          </a:p>
-          <a:p>
-            <a:pPr lvl="1">
-              <a:lnSpc>
-                <a:spcPct val="120000"/>
-              </a:lnSpc>
-            </a:pPr>
-            <a:r>
-              <a:rPr lang="en-US" sz="2000" dirty="0" smtClean="0">
-                <a:solidFill>
-                  <a:schemeClr val="bg1">
-                    <a:lumMod val="65000"/>
-                  </a:schemeClr>
-                </a:solidFill>
-              </a:rPr>
-              <a:t>Why we explore with GALE</a:t>
-            </a:r>
-            <a:endParaRPr lang="en-US" sz="2000" dirty="0" smtClean="0">
-              <a:solidFill>
-                <a:schemeClr val="bg1">
-                  <a:lumMod val="65000"/>
-                </a:schemeClr>
-              </a:solidFill>
-            </a:endParaRPr>
-          </a:p>
-          <a:p>
-            <a:pPr>
-              <a:lnSpc>
-                <a:spcPct val="120000"/>
-              </a:lnSpc>
-            </a:pPr>
-            <a:r>
-              <a:rPr lang="en-US" sz="2400" dirty="0" smtClean="0">
-                <a:solidFill>
-                  <a:schemeClr val="bg1">
-                    <a:lumMod val="65000"/>
-                  </a:schemeClr>
-                </a:solidFill>
-              </a:rPr>
-              <a:t>Geometric</a:t>
-            </a:r>
-          </a:p>
-          <a:p>
-            <a:pPr lvl="1">
-              <a:lnSpc>
-                <a:spcPct val="120000"/>
-              </a:lnSpc>
-            </a:pPr>
-            <a:r>
-              <a:rPr lang="en-US" sz="2000" dirty="0" smtClean="0">
-                <a:solidFill>
-                  <a:schemeClr val="bg1">
-                    <a:lumMod val="65000"/>
-                  </a:schemeClr>
-                </a:solidFill>
-              </a:rPr>
-              <a:t>Look before you leap</a:t>
-            </a:r>
-          </a:p>
-          <a:p>
-            <a:pPr lvl="1">
-              <a:lnSpc>
-                <a:spcPct val="120000"/>
-              </a:lnSpc>
-            </a:pPr>
-            <a:r>
-              <a:rPr lang="en-US" sz="2000" dirty="0" smtClean="0">
-                <a:solidFill>
-                  <a:schemeClr val="bg1">
-                    <a:lumMod val="65000"/>
-                  </a:schemeClr>
-                </a:solidFill>
-              </a:rPr>
-              <a:t>Faster hops over the space</a:t>
-            </a:r>
-          </a:p>
-          <a:p>
-            <a:pPr>
-              <a:lnSpc>
-                <a:spcPct val="120000"/>
-              </a:lnSpc>
-            </a:pPr>
-            <a:r>
-              <a:rPr lang="en-US" sz="2400" dirty="0" smtClean="0">
-                <a:solidFill>
-                  <a:schemeClr val="bg1">
-                    <a:lumMod val="65000"/>
-                  </a:schemeClr>
-                </a:solidFill>
-              </a:rPr>
-              <a:t>Active learning:</a:t>
-            </a:r>
-          </a:p>
-          <a:p>
-            <a:pPr lvl="1">
-              <a:lnSpc>
-                <a:spcPct val="120000"/>
-              </a:lnSpc>
-            </a:pPr>
-            <a:r>
-              <a:rPr lang="en-US" sz="2000" dirty="0" smtClean="0">
-                <a:solidFill>
-                  <a:schemeClr val="bg1">
-                    <a:lumMod val="65000"/>
-                  </a:schemeClr>
-                </a:solidFill>
-              </a:rPr>
-              <a:t>Scoring  examples costs X.</a:t>
-            </a:r>
-          </a:p>
-          <a:p>
-            <a:pPr lvl="1">
-              <a:lnSpc>
-                <a:spcPct val="120000"/>
-              </a:lnSpc>
-            </a:pPr>
-            <a:r>
-              <a:rPr lang="en-US" sz="2000" dirty="0" smtClean="0">
-                <a:solidFill>
-                  <a:schemeClr val="bg1">
-                    <a:lumMod val="65000"/>
-                  </a:schemeClr>
-                </a:solidFill>
-              </a:rPr>
-              <a:t>Minimize sum of X</a:t>
-            </a:r>
-          </a:p>
-        </p:txBody>
-      </p:sp>
-      <p:pic>
-        <p:nvPicPr>
-          <p:cNvPr id="6" name="Picture 5" descr="051712_gale_force_photos_8.jpg"/>
-          <p:cNvPicPr>
-            <a:picLocks noChangeAspect="1"/>
-          </p:cNvPicPr>
-          <p:nvPr/>
-        </p:nvPicPr>
-        <p:blipFill>
-          <a:blip r:embed="rId2">
-            <a:extLst>
-              <a:ext uri="{28A0092B-C50C-407E-A947-70E740481C1C}">
-                <a14:useLocalDpi xmlns:a14="http://schemas.microsoft.com/office/drawing/2010/main" val="0"/>
-              </a:ext>
-            </a:extLst>
-          </a:blip>
-          <a:stretch>
-            <a:fillRect/>
-          </a:stretch>
-        </p:blipFill>
-        <p:spPr>
-          <a:xfrm>
-            <a:off x="4565187" y="-744"/>
-            <a:ext cx="4610746" cy="6916119"/>
-          </a:xfrm>
-          <a:prstGeom prst="rect">
-            <a:avLst/>
-          </a:prstGeom>
-        </p:spPr>
-      </p:pic>
-      <p:cxnSp>
-        <p:nvCxnSpPr>
-          <p:cNvPr id="8" name="Straight Arrow Connector 7"/>
-          <p:cNvCxnSpPr/>
-          <p:nvPr/>
-        </p:nvCxnSpPr>
-        <p:spPr>
-          <a:xfrm>
-            <a:off x="4343806" y="2677412"/>
-            <a:ext cx="965490" cy="198894"/>
-          </a:xfrm>
-          <a:prstGeom prst="straightConnector1">
-            <a:avLst/>
-          </a:prstGeom>
-          <a:ln w="57150" cmpd="sng">
-            <a:tailEnd type="arrow"/>
-          </a:ln>
-        </p:spPr>
-        <p:style>
-          <a:lnRef idx="2">
-            <a:schemeClr val="accent1"/>
-          </a:lnRef>
-          <a:fillRef idx="0">
-            <a:schemeClr val="accent1"/>
-          </a:fillRef>
-          <a:effectRef idx="1">
-            <a:schemeClr val="accent1"/>
-          </a:effectRef>
-          <a:fontRef idx="minor">
-            <a:schemeClr val="tx1"/>
-          </a:fontRef>
-        </p:style>
-      </p:cxnSp>
-    </p:spTree>
-    <p:extLst>
-      <p:ext uri="{BB962C8B-B14F-4D97-AF65-F5344CB8AC3E}">
-        <p14:creationId xmlns:p14="http://schemas.microsoft.com/office/powerpoint/2010/main" val="527372645"/>
-      </p:ext>
-    </p:extLst>
-  </p:cSld>
-  <p:clrMapOvr>
-    <a:masterClrMapping/>
-  </p:clrMapOvr>
-  <p:timing>
-    <p:tnLst>
-      <p:par>
-        <p:cTn xmlns:p14="http://schemas.microsoft.com/office/powerpoint/2010/main" id="1" dur="indefinite" restart="never" nodeType="tmRoot"/>
-      </p:par>
-    </p:tnLst>
-  </p:timing>
-</p:sld>
-</file>
-
-<file path=ppt/slides/slide30.xml><?xml version="1.0" encoding="utf-8"?>
+<file path=ppt/slides/slide31.xml><?xml version="1.0" encoding="utf-8"?>
 <p:sld xmlns:a="http://schemas.openxmlformats.org/drawingml/2006/main" xmlns:r="http://schemas.openxmlformats.org/officeDocument/2006/relationships" xmlns:p="http://schemas.openxmlformats.org/presentationml/2006/main">
   <p:cSld>
     <p:spTree>
@@ -14412,7 +14546,7 @@
 </p:sld>
 </file>
 
-<file path=ppt/slides/slide31.xml><?xml version="1.0" encoding="utf-8"?>
+<file path=ppt/slides/slide32.xml><?xml version="1.0" encoding="utf-8"?>
 <p:sld xmlns:a="http://schemas.openxmlformats.org/drawingml/2006/main" xmlns:r="http://schemas.openxmlformats.org/officeDocument/2006/relationships" xmlns:p="http://schemas.openxmlformats.org/presentationml/2006/main">
   <p:cSld>
     <p:spTree>
@@ -14491,7 +14625,7 @@
 </p:sld>
 </file>
 
-<file path=ppt/slides/slide32.xml><?xml version="1.0" encoding="utf-8"?>
+<file path=ppt/slides/slide33.xml><?xml version="1.0" encoding="utf-8"?>
 <p:sld xmlns:a="http://schemas.openxmlformats.org/drawingml/2006/main" xmlns:r="http://schemas.openxmlformats.org/officeDocument/2006/relationships" xmlns:p="http://schemas.openxmlformats.org/presentationml/2006/main">
   <p:cSld>
     <p:spTree>
@@ -14591,7 +14725,7 @@
 </p:sld>
 </file>
 
-<file path=ppt/slides/slide33.xml><?xml version="1.0" encoding="utf-8"?>
+<file path=ppt/slides/slide34.xml><?xml version="1.0" encoding="utf-8"?>
 <p:sld xmlns:a="http://schemas.openxmlformats.org/drawingml/2006/main" xmlns:r="http://schemas.openxmlformats.org/officeDocument/2006/relationships" xmlns:p="http://schemas.openxmlformats.org/presentationml/2006/main">
   <p:cSld>
     <p:spTree>
@@ -14879,7 +15013,7 @@
 </p:sld>
 </file>
 
-<file path=ppt/slides/slide34.xml><?xml version="1.0" encoding="utf-8"?>
+<file path=ppt/slides/slide35.xml><?xml version="1.0" encoding="utf-8"?>
 <p:sld xmlns:a="http://schemas.openxmlformats.org/drawingml/2006/main" xmlns:r="http://schemas.openxmlformats.org/officeDocument/2006/relationships" xmlns:p="http://schemas.openxmlformats.org/presentationml/2006/main">
   <p:cSld>
     <p:spTree>
@@ -14956,7 +15090,7 @@
 </p:sld>
 </file>
 
-<file path=ppt/slides/slide35.xml><?xml version="1.0" encoding="utf-8"?>
+<file path=ppt/slides/slide36.xml><?xml version="1.0" encoding="utf-8"?>
 <p:sld xmlns:a="http://schemas.openxmlformats.org/drawingml/2006/main" xmlns:r="http://schemas.openxmlformats.org/officeDocument/2006/relationships" xmlns:p="http://schemas.openxmlformats.org/presentationml/2006/main">
   <p:cSld>
     <p:spTree>
@@ -16159,7 +16293,7 @@
 </p:sld>
 </file>
 
-<file path=ppt/slides/slide36.xml><?xml version="1.0" encoding="utf-8"?>
+<file path=ppt/slides/slide37.xml><?xml version="1.0" encoding="utf-8"?>
 <p:sld xmlns:a="http://schemas.openxmlformats.org/drawingml/2006/main" xmlns:r="http://schemas.openxmlformats.org/officeDocument/2006/relationships" xmlns:p="http://schemas.openxmlformats.org/presentationml/2006/main">
   <p:cSld>
     <p:spTree>
@@ -16324,7 +16458,7 @@
 </p:sld>
 </file>
 
-<file path=ppt/slides/slide37.xml><?xml version="1.0" encoding="utf-8"?>
+<file path=ppt/slides/slide38.xml><?xml version="1.0" encoding="utf-8"?>
 <p:sld xmlns:a="http://schemas.openxmlformats.org/drawingml/2006/main" xmlns:r="http://schemas.openxmlformats.org/officeDocument/2006/relationships" xmlns:p="http://schemas.openxmlformats.org/presentationml/2006/main">
   <p:cSld>
     <p:spTree>
@@ -16878,7 +17012,7 @@
 </p:sld>
 </file>
 
-<file path=ppt/slides/slide38.xml><?xml version="1.0" encoding="utf-8"?>
+<file path=ppt/slides/slide39.xml><?xml version="1.0" encoding="utf-8"?>
 <p:sld xmlns:a="http://schemas.openxmlformats.org/drawingml/2006/main" xmlns:r="http://schemas.openxmlformats.org/officeDocument/2006/relationships" xmlns:p="http://schemas.openxmlformats.org/presentationml/2006/main">
   <p:cSld>
     <p:spTree>
@@ -17191,6 +17325,1185 @@
       </p:grpSpPr>
       <p:sp>
         <p:nvSpPr>
+          <p:cNvPr id="5" name="Title 4"/>
+          <p:cNvSpPr>
+            <a:spLocks noGrp="1"/>
+          </p:cNvSpPr>
+          <p:nvPr>
+            <p:ph type="title"/>
+          </p:nvPr>
+        </p:nvSpPr>
+        <p:spPr/>
+        <p:txBody>
+          <a:bodyPr/>
+          <a:lstStyle/>
+          <a:p>
+            <a:r>
+              <a:rPr lang="en-US" dirty="0" smtClean="0"/>
+              <a:t>But we are running out of CPUs</a:t>
+            </a:r>
+            <a:endParaRPr lang="en-US" dirty="0"/>
+          </a:p>
+        </p:txBody>
+      </p:sp>
+      <p:sp>
+        <p:nvSpPr>
+          <p:cNvPr id="8" name="Text Placeholder 7"/>
+          <p:cNvSpPr>
+            <a:spLocks noGrp="1"/>
+          </p:cNvSpPr>
+          <p:nvPr>
+            <p:ph type="body" idx="1"/>
+          </p:nvPr>
+        </p:nvSpPr>
+        <p:spPr>
+          <a:xfrm>
+            <a:off x="457200" y="1535113"/>
+            <a:ext cx="8229600" cy="434497"/>
+          </a:xfrm>
+          <a:solidFill>
+            <a:srgbClr val="9F2021"/>
+          </a:solidFill>
+          <a:ln>
+            <a:noFill/>
+          </a:ln>
+        </p:spPr>
+        <p:style>
+          <a:lnRef idx="2">
+            <a:schemeClr val="accent1">
+              <a:shade val="50000"/>
+            </a:schemeClr>
+          </a:lnRef>
+          <a:fillRef idx="1">
+            <a:schemeClr val="accent1"/>
+          </a:fillRef>
+          <a:effectRef idx="0">
+            <a:schemeClr val="accent1"/>
+          </a:effectRef>
+          <a:fontRef idx="minor">
+            <a:schemeClr val="lt1"/>
+          </a:fontRef>
+        </p:style>
+        <p:txBody>
+          <a:bodyPr>
+            <a:normAutofit lnSpcReduction="10000"/>
+          </a:bodyPr>
+          <a:lstStyle/>
+          <a:p>
+            <a:pPr algn="ctr"/>
+            <a:r>
+              <a:rPr lang="en-US" dirty="0" smtClean="0">
+                <a:solidFill>
+                  <a:schemeClr val="bg1"/>
+                </a:solidFill>
+              </a:rPr>
+              <a:t>Moore’s Law is Dead</a:t>
+            </a:r>
+            <a:endParaRPr lang="en-US" dirty="0">
+              <a:solidFill>
+                <a:schemeClr val="bg1"/>
+              </a:solidFill>
+            </a:endParaRPr>
+          </a:p>
+        </p:txBody>
+      </p:sp>
+      <p:sp>
+        <p:nvSpPr>
+          <p:cNvPr id="6" name="Content Placeholder 5"/>
+          <p:cNvSpPr>
+            <a:spLocks noGrp="1"/>
+          </p:cNvSpPr>
+          <p:nvPr>
+            <p:ph sz="half" idx="2"/>
+          </p:nvPr>
+        </p:nvSpPr>
+        <p:spPr>
+          <a:xfrm>
+            <a:off x="457200" y="2667278"/>
+            <a:ext cx="3657162" cy="3267467"/>
+          </a:xfrm>
+        </p:spPr>
+        <p:txBody>
+          <a:bodyPr>
+            <a:normAutofit/>
+          </a:bodyPr>
+          <a:lstStyle/>
+          <a:p>
+            <a:r>
+              <a:rPr lang="en-US" sz="2000" dirty="0" smtClean="0"/>
+              <a:t>No more exponential increase in CPU speeds</a:t>
+            </a:r>
+          </a:p>
+          <a:p>
+            <a:pPr lvl="1"/>
+            <a:r>
+              <a:rPr lang="en-US" sz="1800" dirty="0" smtClean="0"/>
+              <a:t>power and heat issues</a:t>
+            </a:r>
+            <a:br>
+              <a:rPr lang="en-US" sz="1800" dirty="0" smtClean="0"/>
+            </a:br>
+            <a:r>
+              <a:rPr lang="en-US" sz="1800" dirty="0" smtClean="0"/>
+              <a:t/>
+            </a:r>
+            <a:br>
+              <a:rPr lang="en-US" sz="1800" dirty="0" smtClean="0"/>
+            </a:br>
+            <a:endParaRPr lang="en-US" sz="1800" dirty="0" smtClean="0"/>
+          </a:p>
+          <a:p>
+            <a:r>
+              <a:rPr lang="en-US" sz="2000" dirty="0" smtClean="0"/>
+              <a:t>Data centers consume 1.5% </a:t>
+            </a:r>
+            <a:br>
+              <a:rPr lang="en-US" sz="2000" dirty="0" smtClean="0"/>
+            </a:br>
+            <a:r>
+              <a:rPr lang="en-US" sz="2000" dirty="0" smtClean="0"/>
+              <a:t>of globally electrical output </a:t>
+            </a:r>
+          </a:p>
+          <a:p>
+            <a:pPr lvl="1"/>
+            <a:r>
+              <a:rPr lang="en-US" sz="1800" dirty="0" smtClean="0"/>
+              <a:t>And growing</a:t>
+            </a:r>
+          </a:p>
+          <a:p>
+            <a:pPr lvl="1"/>
+            <a:r>
+              <a:rPr lang="en-US" sz="1800" dirty="0" smtClean="0"/>
+              <a:t>2013: 91 billion </a:t>
+            </a:r>
+            <a:r>
+              <a:rPr lang="en-US" sz="1800" dirty="0" err="1" smtClean="0"/>
+              <a:t>Kwatt</a:t>
+            </a:r>
+            <a:r>
+              <a:rPr lang="en-US" sz="1800" dirty="0" smtClean="0"/>
+              <a:t> </a:t>
+            </a:r>
+            <a:r>
+              <a:rPr lang="en-US" sz="1800" dirty="0" err="1" smtClean="0"/>
+              <a:t>hrs</a:t>
+            </a:r>
+            <a:endParaRPr lang="en-US" sz="1800" dirty="0" smtClean="0"/>
+          </a:p>
+          <a:p>
+            <a:pPr lvl="1"/>
+            <a:r>
+              <a:rPr lang="en-US" sz="1800" dirty="0" smtClean="0"/>
+              <a:t>2020: 139 billion </a:t>
+            </a:r>
+            <a:r>
+              <a:rPr lang="en-US" sz="1800" dirty="0" err="1" smtClean="0"/>
+              <a:t>Kwatt</a:t>
+            </a:r>
+            <a:r>
+              <a:rPr lang="en-US" sz="1800" dirty="0" smtClean="0"/>
+              <a:t> </a:t>
+            </a:r>
+            <a:r>
+              <a:rPr lang="en-US" sz="1800" dirty="0" err="1" smtClean="0"/>
+              <a:t>hrs</a:t>
+            </a:r>
+            <a:endParaRPr lang="en-US" sz="1800" dirty="0" smtClean="0"/>
+          </a:p>
+        </p:txBody>
+      </p:sp>
+      <p:pic>
+        <p:nvPicPr>
+          <p:cNvPr id="12" name="Picture 11"/>
+          <p:cNvPicPr>
+            <a:picLocks noChangeAspect="1"/>
+          </p:cNvPicPr>
+          <p:nvPr/>
+        </p:nvPicPr>
+        <p:blipFill>
+          <a:blip r:embed="rId2"/>
+          <a:stretch>
+            <a:fillRect/>
+          </a:stretch>
+        </p:blipFill>
+        <p:spPr>
+          <a:xfrm>
+            <a:off x="4179157" y="2369245"/>
+            <a:ext cx="4572438" cy="2809837"/>
+          </a:xfrm>
+          <a:prstGeom prst="rect">
+            <a:avLst/>
+          </a:prstGeom>
+        </p:spPr>
+      </p:pic>
+    </p:spTree>
+    <p:extLst>
+      <p:ext uri="{BB962C8B-B14F-4D97-AF65-F5344CB8AC3E}">
+        <p14:creationId xmlns:p14="http://schemas.microsoft.com/office/powerpoint/2010/main" val="880060343"/>
+      </p:ext>
+    </p:extLst>
+  </p:cSld>
+  <p:clrMapOvr>
+    <a:masterClrMapping/>
+  </p:clrMapOvr>
+  <p:timing>
+    <p:tnLst>
+      <p:par>
+        <p:cTn xmlns:p14="http://schemas.microsoft.com/office/powerpoint/2010/main" id="1" dur="indefinite" restart="never" nodeType="tmRoot"/>
+      </p:par>
+    </p:tnLst>
+  </p:timing>
+</p:sld>
+</file>
+
+<file path=ppt/slides/slide5.xml><?xml version="1.0" encoding="utf-8"?>
+<p:sld xmlns:a="http://schemas.openxmlformats.org/drawingml/2006/main" xmlns:r="http://schemas.openxmlformats.org/officeDocument/2006/relationships" xmlns:p="http://schemas.openxmlformats.org/presentationml/2006/main">
+  <p:cSld>
+    <p:spTree>
+      <p:nvGrpSpPr>
+        <p:cNvPr id="1" name=""/>
+        <p:cNvGrpSpPr/>
+        <p:nvPr/>
+      </p:nvGrpSpPr>
+      <p:grpSpPr>
+        <a:xfrm>
+          <a:off x="0" y="0"/>
+          <a:ext cx="0" cy="0"/>
+          <a:chOff x="0" y="0"/>
+          <a:chExt cx="0" cy="0"/>
+        </a:xfrm>
+      </p:grpSpPr>
+      <p:sp>
+        <p:nvSpPr>
+          <p:cNvPr id="5" name="Title 4"/>
+          <p:cNvSpPr>
+            <a:spLocks noGrp="1"/>
+          </p:cNvSpPr>
+          <p:nvPr>
+            <p:ph type="title"/>
+          </p:nvPr>
+        </p:nvSpPr>
+        <p:spPr/>
+        <p:txBody>
+          <a:bodyPr/>
+          <a:lstStyle/>
+          <a:p>
+            <a:r>
+              <a:rPr lang="en-US" dirty="0" smtClean="0"/>
+              <a:t>But we are running out of CPUs</a:t>
+            </a:r>
+            <a:endParaRPr lang="en-US" dirty="0"/>
+          </a:p>
+        </p:txBody>
+      </p:sp>
+      <p:sp>
+        <p:nvSpPr>
+          <p:cNvPr id="12" name="Text Placeholder 8"/>
+          <p:cNvSpPr>
+            <a:spLocks noGrp="1"/>
+          </p:cNvSpPr>
+          <p:nvPr>
+            <p:ph type="body" sz="quarter" idx="3"/>
+          </p:nvPr>
+        </p:nvSpPr>
+        <p:spPr>
+          <a:xfrm>
+            <a:off x="460701" y="1516081"/>
+            <a:ext cx="8226099" cy="418666"/>
+          </a:xfrm>
+          <a:solidFill>
+            <a:srgbClr val="9F2021"/>
+          </a:solidFill>
+          <a:ln>
+            <a:solidFill>
+              <a:srgbClr val="9F2021"/>
+            </a:solidFill>
+          </a:ln>
+        </p:spPr>
+        <p:style>
+          <a:lnRef idx="2">
+            <a:schemeClr val="accent1">
+              <a:shade val="50000"/>
+            </a:schemeClr>
+          </a:lnRef>
+          <a:fillRef idx="1">
+            <a:schemeClr val="accent1"/>
+          </a:fillRef>
+          <a:effectRef idx="0">
+            <a:schemeClr val="accent1"/>
+          </a:effectRef>
+          <a:fontRef idx="minor">
+            <a:schemeClr val="lt1"/>
+          </a:fontRef>
+        </p:style>
+        <p:txBody>
+          <a:bodyPr>
+            <a:normAutofit fontScale="92500" lnSpcReduction="10000"/>
+          </a:bodyPr>
+          <a:lstStyle/>
+          <a:p>
+            <a:pPr algn="ctr"/>
+            <a:r>
+              <a:rPr lang="en-US" dirty="0" smtClean="0">
+                <a:solidFill>
+                  <a:schemeClr val="bg1"/>
+                </a:solidFill>
+              </a:rPr>
+              <a:t>More energy = pollution + cost</a:t>
+            </a:r>
+            <a:endParaRPr lang="en-US" dirty="0">
+              <a:solidFill>
+                <a:schemeClr val="bg1"/>
+              </a:solidFill>
+            </a:endParaRPr>
+          </a:p>
+        </p:txBody>
+      </p:sp>
+      <p:sp>
+        <p:nvSpPr>
+          <p:cNvPr id="13" name="Content Placeholder 6"/>
+          <p:cNvSpPr>
+            <a:spLocks noGrp="1"/>
+          </p:cNvSpPr>
+          <p:nvPr>
+            <p:ph sz="quarter" idx="4"/>
+          </p:nvPr>
+        </p:nvSpPr>
+        <p:spPr>
+          <a:xfrm>
+            <a:off x="447742" y="2051369"/>
+            <a:ext cx="5194710" cy="3951288"/>
+          </a:xfrm>
+        </p:spPr>
+        <p:txBody>
+          <a:bodyPr>
+            <a:normAutofit/>
+          </a:bodyPr>
+          <a:lstStyle/>
+          <a:p>
+            <a:r>
+              <a:rPr lang="en-US" sz="2000" dirty="0" smtClean="0"/>
+              <a:t>Making energy = making pollution</a:t>
+            </a:r>
+            <a:br>
+              <a:rPr lang="en-US" sz="2000" dirty="0" smtClean="0"/>
+            </a:br>
+            <a:r>
+              <a:rPr lang="en-US" sz="2000" dirty="0" smtClean="0"/>
+              <a:t/>
+            </a:r>
+            <a:br>
+              <a:rPr lang="en-US" sz="2000" dirty="0" smtClean="0"/>
+            </a:br>
+            <a:r>
+              <a:rPr lang="en-US" sz="2000" dirty="0" smtClean="0"/>
+              <a:t/>
+            </a:r>
+            <a:br>
+              <a:rPr lang="en-US" sz="2000" dirty="0" smtClean="0"/>
+            </a:br>
+            <a:r>
+              <a:rPr lang="en-US" sz="2000" dirty="0" smtClean="0"/>
+              <a:t/>
+            </a:r>
+            <a:br>
+              <a:rPr lang="en-US" sz="2000" dirty="0" smtClean="0"/>
+            </a:br>
+            <a:r>
+              <a:rPr lang="en-US" sz="2000" dirty="0" smtClean="0"/>
+              <a:t/>
+            </a:r>
+            <a:br>
+              <a:rPr lang="en-US" sz="2000" dirty="0" smtClean="0"/>
+            </a:br>
+            <a:r>
+              <a:rPr lang="en-US" sz="2000" dirty="0" smtClean="0"/>
+              <a:t/>
+            </a:r>
+            <a:br>
+              <a:rPr lang="en-US" sz="2000" dirty="0" smtClean="0"/>
+            </a:br>
+            <a:r>
+              <a:rPr lang="en-US" sz="2000" dirty="0" smtClean="0"/>
+              <a:t/>
+            </a:r>
+            <a:br>
+              <a:rPr lang="en-US" sz="2000" dirty="0" smtClean="0"/>
+            </a:br>
+            <a:endParaRPr lang="en-US" sz="2000" dirty="0" smtClean="0"/>
+          </a:p>
+          <a:p>
+            <a:r>
+              <a:rPr lang="en-US" sz="2000" dirty="0"/>
+              <a:t>C</a:t>
+            </a:r>
+            <a:r>
+              <a:rPr lang="en-US" sz="2000" dirty="0" smtClean="0"/>
+              <a:t>loud computation = heavily monetized</a:t>
+            </a:r>
+          </a:p>
+          <a:p>
+            <a:pPr lvl="1"/>
+            <a:r>
+              <a:rPr lang="en-US" dirty="0" smtClean="0"/>
+              <a:t>Everything costs: storage, uploads, downloads, CPU.</a:t>
+            </a:r>
+          </a:p>
+          <a:p>
+            <a:r>
+              <a:rPr lang="en-US" sz="2000" dirty="0" smtClean="0"/>
+              <a:t>Google: 1% reduction in CPU saves $millions</a:t>
+            </a:r>
+          </a:p>
+        </p:txBody>
+      </p:sp>
+      <p:pic>
+        <p:nvPicPr>
+          <p:cNvPr id="14" name="Picture 13"/>
+          <p:cNvPicPr>
+            <a:picLocks noChangeAspect="1"/>
+          </p:cNvPicPr>
+          <p:nvPr/>
+        </p:nvPicPr>
+        <p:blipFill>
+          <a:blip r:embed="rId2"/>
+          <a:stretch>
+            <a:fillRect/>
+          </a:stretch>
+        </p:blipFill>
+        <p:spPr>
+          <a:xfrm>
+            <a:off x="1412401" y="2591591"/>
+            <a:ext cx="2624903" cy="1734547"/>
+          </a:xfrm>
+          <a:prstGeom prst="rect">
+            <a:avLst/>
+          </a:prstGeom>
+        </p:spPr>
+      </p:pic>
+      <p:pic>
+        <p:nvPicPr>
+          <p:cNvPr id="15" name="Picture 14"/>
+          <p:cNvPicPr>
+            <a:picLocks noChangeAspect="1"/>
+          </p:cNvPicPr>
+          <p:nvPr/>
+        </p:nvPicPr>
+        <p:blipFill>
+          <a:blip r:embed="rId3"/>
+          <a:stretch>
+            <a:fillRect/>
+          </a:stretch>
+        </p:blipFill>
+        <p:spPr>
+          <a:xfrm>
+            <a:off x="5703483" y="2202851"/>
+            <a:ext cx="2962055" cy="3799806"/>
+          </a:xfrm>
+          <a:prstGeom prst="rect">
+            <a:avLst/>
+          </a:prstGeom>
+        </p:spPr>
+      </p:pic>
+    </p:spTree>
+    <p:extLst>
+      <p:ext uri="{BB962C8B-B14F-4D97-AF65-F5344CB8AC3E}">
+        <p14:creationId xmlns:p14="http://schemas.microsoft.com/office/powerpoint/2010/main" val="828233248"/>
+      </p:ext>
+    </p:extLst>
+  </p:cSld>
+  <p:clrMapOvr>
+    <a:masterClrMapping/>
+  </p:clrMapOvr>
+  <p:timing>
+    <p:tnLst>
+      <p:par>
+        <p:cTn xmlns:p14="http://schemas.microsoft.com/office/powerpoint/2010/main" id="1" dur="indefinite" restart="never" nodeType="tmRoot"/>
+      </p:par>
+    </p:tnLst>
+  </p:timing>
+</p:sld>
+</file>
+
+<file path=ppt/slides/slide6.xml><?xml version="1.0" encoding="utf-8"?>
+<p:sld xmlns:a="http://schemas.openxmlformats.org/drawingml/2006/main" xmlns:r="http://schemas.openxmlformats.org/officeDocument/2006/relationships" xmlns:p="http://schemas.openxmlformats.org/presentationml/2006/main">
+  <p:cSld>
+    <p:spTree>
+      <p:nvGrpSpPr>
+        <p:cNvPr id="1" name=""/>
+        <p:cNvGrpSpPr/>
+        <p:nvPr/>
+      </p:nvGrpSpPr>
+      <p:grpSpPr>
+        <a:xfrm>
+          <a:off x="0" y="0"/>
+          <a:ext cx="0" cy="0"/>
+          <a:chOff x="0" y="0"/>
+          <a:chExt cx="0" cy="0"/>
+        </a:xfrm>
+      </p:grpSpPr>
+      <p:sp>
+        <p:nvSpPr>
+          <p:cNvPr id="2" name="Title 1"/>
+          <p:cNvSpPr>
+            <a:spLocks noGrp="1"/>
+          </p:cNvSpPr>
+          <p:nvPr>
+            <p:ph type="title"/>
+          </p:nvPr>
+        </p:nvSpPr>
+        <p:spPr>
+          <a:xfrm>
+            <a:off x="441324" y="285582"/>
+            <a:ext cx="8286513" cy="1143000"/>
+          </a:xfrm>
+        </p:spPr>
+        <p:txBody>
+          <a:bodyPr>
+            <a:normAutofit/>
+          </a:bodyPr>
+          <a:lstStyle/>
+          <a:p>
+            <a:pPr algn="l">
+              <a:lnSpc>
+                <a:spcPct val="80000"/>
+              </a:lnSpc>
+            </a:pPr>
+            <a:r>
+              <a:rPr lang="en-US" dirty="0" smtClean="0"/>
+              <a:t>Roadmap</a:t>
+            </a:r>
+            <a:endParaRPr lang="en-US" dirty="0"/>
+          </a:p>
+        </p:txBody>
+      </p:sp>
+      <p:sp>
+        <p:nvSpPr>
+          <p:cNvPr id="3" name="Content Placeholder 2"/>
+          <p:cNvSpPr>
+            <a:spLocks noGrp="1"/>
+          </p:cNvSpPr>
+          <p:nvPr>
+            <p:ph idx="1"/>
+          </p:nvPr>
+        </p:nvSpPr>
+        <p:spPr>
+          <a:xfrm>
+            <a:off x="457199" y="1505078"/>
+            <a:ext cx="4290681" cy="4843336"/>
+          </a:xfrm>
+        </p:spPr>
+        <p:txBody>
+          <a:bodyPr>
+            <a:normAutofit fontScale="92500" lnSpcReduction="10000"/>
+          </a:bodyPr>
+          <a:lstStyle/>
+          <a:p>
+            <a:pPr>
+              <a:lnSpc>
+                <a:spcPct val="120000"/>
+              </a:lnSpc>
+            </a:pPr>
+            <a:r>
+              <a:rPr lang="en-US" sz="2400" dirty="0" smtClean="0"/>
+              <a:t>Journal-first</a:t>
+            </a:r>
+          </a:p>
+          <a:p>
+            <a:pPr>
+              <a:lnSpc>
+                <a:spcPct val="120000"/>
+              </a:lnSpc>
+            </a:pPr>
+            <a:r>
+              <a:rPr lang="en-US" sz="2400" dirty="0" smtClean="0"/>
+              <a:t>GALE</a:t>
+            </a:r>
+          </a:p>
+          <a:p>
+            <a:pPr lvl="1">
+              <a:lnSpc>
+                <a:spcPct val="120000"/>
+              </a:lnSpc>
+            </a:pPr>
+            <a:r>
+              <a:rPr lang="en-US" sz="2000" dirty="0" smtClean="0"/>
+              <a:t>strong force to push you around</a:t>
+            </a:r>
+          </a:p>
+          <a:p>
+            <a:pPr>
+              <a:lnSpc>
+                <a:spcPct val="120000"/>
+              </a:lnSpc>
+            </a:pPr>
+            <a:r>
+              <a:rPr lang="en-US" sz="2400" dirty="0" smtClean="0"/>
+              <a:t>Search-based SE</a:t>
+            </a:r>
+          </a:p>
+          <a:p>
+            <a:pPr lvl="1">
+              <a:lnSpc>
+                <a:spcPct val="120000"/>
+              </a:lnSpc>
+            </a:pPr>
+            <a:r>
+              <a:rPr lang="en-US" sz="2000" dirty="0" smtClean="0"/>
+              <a:t>The future of SE</a:t>
+            </a:r>
+          </a:p>
+          <a:p>
+            <a:pPr lvl="1">
+              <a:lnSpc>
+                <a:spcPct val="120000"/>
+              </a:lnSpc>
+            </a:pPr>
+            <a:r>
+              <a:rPr lang="en-US" sz="2000" dirty="0" smtClean="0"/>
+              <a:t>Why we explore with GALE</a:t>
+            </a:r>
+            <a:endParaRPr lang="en-US" sz="2000" dirty="0" smtClean="0"/>
+          </a:p>
+          <a:p>
+            <a:pPr>
+              <a:lnSpc>
+                <a:spcPct val="120000"/>
+              </a:lnSpc>
+            </a:pPr>
+            <a:r>
+              <a:rPr lang="en-US" sz="2400" dirty="0" smtClean="0"/>
+              <a:t>Geometric</a:t>
+            </a:r>
+          </a:p>
+          <a:p>
+            <a:pPr lvl="1">
+              <a:lnSpc>
+                <a:spcPct val="120000"/>
+              </a:lnSpc>
+            </a:pPr>
+            <a:r>
+              <a:rPr lang="en-US" sz="2000" dirty="0" smtClean="0"/>
+              <a:t>Look before you leap</a:t>
+            </a:r>
+          </a:p>
+          <a:p>
+            <a:pPr lvl="1">
+              <a:lnSpc>
+                <a:spcPct val="120000"/>
+              </a:lnSpc>
+            </a:pPr>
+            <a:r>
+              <a:rPr lang="en-US" sz="2000" dirty="0" smtClean="0"/>
+              <a:t>Faster hops over the space</a:t>
+            </a:r>
+          </a:p>
+          <a:p>
+            <a:pPr>
+              <a:lnSpc>
+                <a:spcPct val="120000"/>
+              </a:lnSpc>
+            </a:pPr>
+            <a:r>
+              <a:rPr lang="en-US" sz="2400" dirty="0" smtClean="0"/>
+              <a:t>Active learning:</a:t>
+            </a:r>
+          </a:p>
+          <a:p>
+            <a:pPr lvl="1">
+              <a:lnSpc>
+                <a:spcPct val="120000"/>
+              </a:lnSpc>
+            </a:pPr>
+            <a:r>
+              <a:rPr lang="en-US" sz="2000" dirty="0" smtClean="0"/>
+              <a:t>Scoring  examples costs X.</a:t>
+            </a:r>
+          </a:p>
+          <a:p>
+            <a:pPr lvl="1">
+              <a:lnSpc>
+                <a:spcPct val="120000"/>
+              </a:lnSpc>
+            </a:pPr>
+            <a:r>
+              <a:rPr lang="en-US" sz="2000" dirty="0" smtClean="0"/>
+              <a:t>Minimize sum of X</a:t>
+            </a:r>
+          </a:p>
+        </p:txBody>
+      </p:sp>
+      <p:pic>
+        <p:nvPicPr>
+          <p:cNvPr id="6" name="Picture 5" descr="051712_gale_force_photos_8.jpg"/>
+          <p:cNvPicPr>
+            <a:picLocks noChangeAspect="1"/>
+          </p:cNvPicPr>
+          <p:nvPr/>
+        </p:nvPicPr>
+        <p:blipFill>
+          <a:blip r:embed="rId2">
+            <a:extLst>
+              <a:ext uri="{28A0092B-C50C-407E-A947-70E740481C1C}">
+                <a14:useLocalDpi xmlns:a14="http://schemas.microsoft.com/office/drawing/2010/main" val="0"/>
+              </a:ext>
+            </a:extLst>
+          </a:blip>
+          <a:stretch>
+            <a:fillRect/>
+          </a:stretch>
+        </p:blipFill>
+        <p:spPr>
+          <a:xfrm>
+            <a:off x="4565187" y="-744"/>
+            <a:ext cx="4610746" cy="6916119"/>
+          </a:xfrm>
+          <a:prstGeom prst="rect">
+            <a:avLst/>
+          </a:prstGeom>
+        </p:spPr>
+      </p:pic>
+      <p:cxnSp>
+        <p:nvCxnSpPr>
+          <p:cNvPr id="8" name="Straight Arrow Connector 7"/>
+          <p:cNvCxnSpPr/>
+          <p:nvPr/>
+        </p:nvCxnSpPr>
+        <p:spPr>
+          <a:xfrm>
+            <a:off x="4343806" y="2757620"/>
+            <a:ext cx="965490" cy="198894"/>
+          </a:xfrm>
+          <a:prstGeom prst="straightConnector1">
+            <a:avLst/>
+          </a:prstGeom>
+          <a:ln w="57150" cmpd="sng">
+            <a:tailEnd type="arrow"/>
+          </a:ln>
+        </p:spPr>
+        <p:style>
+          <a:lnRef idx="2">
+            <a:schemeClr val="accent1"/>
+          </a:lnRef>
+          <a:fillRef idx="0">
+            <a:schemeClr val="accent1"/>
+          </a:fillRef>
+          <a:effectRef idx="1">
+            <a:schemeClr val="accent1"/>
+          </a:effectRef>
+          <a:fontRef idx="minor">
+            <a:schemeClr val="tx1"/>
+          </a:fontRef>
+        </p:style>
+      </p:cxnSp>
+    </p:spTree>
+    <p:extLst>
+      <p:ext uri="{BB962C8B-B14F-4D97-AF65-F5344CB8AC3E}">
+        <p14:creationId xmlns:p14="http://schemas.microsoft.com/office/powerpoint/2010/main" val="2546250039"/>
+      </p:ext>
+    </p:extLst>
+  </p:cSld>
+  <p:clrMapOvr>
+    <a:masterClrMapping/>
+  </p:clrMapOvr>
+  <p:timing>
+    <p:tnLst>
+      <p:par>
+        <p:cTn xmlns:p14="http://schemas.microsoft.com/office/powerpoint/2010/main" id="1" dur="indefinite" restart="never" nodeType="tmRoot"/>
+      </p:par>
+    </p:tnLst>
+  </p:timing>
+</p:sld>
+</file>
+
+<file path=ppt/slides/slide7.xml><?xml version="1.0" encoding="utf-8"?>
+<p:sld xmlns:a="http://schemas.openxmlformats.org/drawingml/2006/main" xmlns:r="http://schemas.openxmlformats.org/officeDocument/2006/relationships" xmlns:p="http://schemas.openxmlformats.org/presentationml/2006/main">
+  <p:cSld>
+    <p:spTree>
+      <p:nvGrpSpPr>
+        <p:cNvPr id="1" name=""/>
+        <p:cNvGrpSpPr/>
+        <p:nvPr/>
+      </p:nvGrpSpPr>
+      <p:grpSpPr>
+        <a:xfrm>
+          <a:off x="0" y="0"/>
+          <a:ext cx="0" cy="0"/>
+          <a:chOff x="0" y="0"/>
+          <a:chExt cx="0" cy="0"/>
+        </a:xfrm>
+      </p:grpSpPr>
+      <p:sp>
+        <p:nvSpPr>
+          <p:cNvPr id="2" name="Title 1"/>
+          <p:cNvSpPr>
+            <a:spLocks noGrp="1"/>
+          </p:cNvSpPr>
+          <p:nvPr>
+            <p:ph type="title"/>
+          </p:nvPr>
+        </p:nvSpPr>
+        <p:spPr>
+          <a:xfrm>
+            <a:off x="441324" y="285582"/>
+            <a:ext cx="8286513" cy="1143000"/>
+          </a:xfrm>
+        </p:spPr>
+        <p:txBody>
+          <a:bodyPr>
+            <a:normAutofit/>
+          </a:bodyPr>
+          <a:lstStyle/>
+          <a:p>
+            <a:pPr algn="l">
+              <a:lnSpc>
+                <a:spcPct val="80000"/>
+              </a:lnSpc>
+            </a:pPr>
+            <a:r>
+              <a:rPr lang="en-US" dirty="0" smtClean="0"/>
+              <a:t>Roadmap</a:t>
+            </a:r>
+            <a:endParaRPr lang="en-US" dirty="0"/>
+          </a:p>
+        </p:txBody>
+      </p:sp>
+      <p:sp>
+        <p:nvSpPr>
+          <p:cNvPr id="3" name="Content Placeholder 2"/>
+          <p:cNvSpPr>
+            <a:spLocks noGrp="1"/>
+          </p:cNvSpPr>
+          <p:nvPr>
+            <p:ph idx="1"/>
+          </p:nvPr>
+        </p:nvSpPr>
+        <p:spPr>
+          <a:xfrm>
+            <a:off x="457199" y="1505078"/>
+            <a:ext cx="4290681" cy="4843336"/>
+          </a:xfrm>
+        </p:spPr>
+        <p:txBody>
+          <a:bodyPr>
+            <a:normAutofit fontScale="92500" lnSpcReduction="10000"/>
+          </a:bodyPr>
+          <a:lstStyle/>
+          <a:p>
+            <a:pPr>
+              <a:lnSpc>
+                <a:spcPct val="120000"/>
+              </a:lnSpc>
+            </a:pPr>
+            <a:r>
+              <a:rPr lang="en-US" sz="2400" dirty="0" smtClean="0">
+                <a:solidFill>
+                  <a:srgbClr val="9F2021"/>
+                </a:solidFill>
+              </a:rPr>
+              <a:t>Journal-first</a:t>
+            </a:r>
+          </a:p>
+          <a:p>
+            <a:pPr>
+              <a:lnSpc>
+                <a:spcPct val="120000"/>
+              </a:lnSpc>
+            </a:pPr>
+            <a:r>
+              <a:rPr lang="en-US" sz="2400" dirty="0" smtClean="0">
+                <a:solidFill>
+                  <a:schemeClr val="bg1">
+                    <a:lumMod val="65000"/>
+                  </a:schemeClr>
+                </a:solidFill>
+              </a:rPr>
+              <a:t>GALE</a:t>
+            </a:r>
+          </a:p>
+          <a:p>
+            <a:pPr lvl="1">
+              <a:lnSpc>
+                <a:spcPct val="120000"/>
+              </a:lnSpc>
+            </a:pPr>
+            <a:r>
+              <a:rPr lang="en-US" sz="2000" dirty="0" smtClean="0">
+                <a:solidFill>
+                  <a:schemeClr val="bg1">
+                    <a:lumMod val="65000"/>
+                  </a:schemeClr>
+                </a:solidFill>
+              </a:rPr>
+              <a:t>strong force to push you around</a:t>
+            </a:r>
+          </a:p>
+          <a:p>
+            <a:pPr>
+              <a:lnSpc>
+                <a:spcPct val="120000"/>
+              </a:lnSpc>
+            </a:pPr>
+            <a:r>
+              <a:rPr lang="en-US" sz="2400" dirty="0" smtClean="0">
+                <a:solidFill>
+                  <a:schemeClr val="bg1">
+                    <a:lumMod val="65000"/>
+                  </a:schemeClr>
+                </a:solidFill>
+              </a:rPr>
+              <a:t>Search-based SE</a:t>
+            </a:r>
+          </a:p>
+          <a:p>
+            <a:pPr lvl="1">
+              <a:lnSpc>
+                <a:spcPct val="120000"/>
+              </a:lnSpc>
+            </a:pPr>
+            <a:r>
+              <a:rPr lang="en-US" sz="2000" dirty="0" smtClean="0">
+                <a:solidFill>
+                  <a:schemeClr val="bg1">
+                    <a:lumMod val="65000"/>
+                  </a:schemeClr>
+                </a:solidFill>
+              </a:rPr>
+              <a:t>The future of SE</a:t>
+            </a:r>
+          </a:p>
+          <a:p>
+            <a:pPr lvl="1">
+              <a:lnSpc>
+                <a:spcPct val="120000"/>
+              </a:lnSpc>
+            </a:pPr>
+            <a:r>
+              <a:rPr lang="en-US" sz="2000" dirty="0" smtClean="0">
+                <a:solidFill>
+                  <a:schemeClr val="bg1">
+                    <a:lumMod val="65000"/>
+                  </a:schemeClr>
+                </a:solidFill>
+              </a:rPr>
+              <a:t>Why we explore with GALE</a:t>
+            </a:r>
+            <a:endParaRPr lang="en-US" sz="2000" dirty="0" smtClean="0">
+              <a:solidFill>
+                <a:schemeClr val="bg1">
+                  <a:lumMod val="65000"/>
+                </a:schemeClr>
+              </a:solidFill>
+            </a:endParaRPr>
+          </a:p>
+          <a:p>
+            <a:pPr>
+              <a:lnSpc>
+                <a:spcPct val="120000"/>
+              </a:lnSpc>
+            </a:pPr>
+            <a:r>
+              <a:rPr lang="en-US" sz="2400" dirty="0" smtClean="0">
+                <a:solidFill>
+                  <a:schemeClr val="bg1">
+                    <a:lumMod val="65000"/>
+                  </a:schemeClr>
+                </a:solidFill>
+              </a:rPr>
+              <a:t>Geometric</a:t>
+            </a:r>
+          </a:p>
+          <a:p>
+            <a:pPr lvl="1">
+              <a:lnSpc>
+                <a:spcPct val="120000"/>
+              </a:lnSpc>
+            </a:pPr>
+            <a:r>
+              <a:rPr lang="en-US" sz="2000" dirty="0" smtClean="0">
+                <a:solidFill>
+                  <a:schemeClr val="bg1">
+                    <a:lumMod val="65000"/>
+                  </a:schemeClr>
+                </a:solidFill>
+              </a:rPr>
+              <a:t>Look before you leap</a:t>
+            </a:r>
+          </a:p>
+          <a:p>
+            <a:pPr lvl="1">
+              <a:lnSpc>
+                <a:spcPct val="120000"/>
+              </a:lnSpc>
+            </a:pPr>
+            <a:r>
+              <a:rPr lang="en-US" sz="2000" dirty="0" smtClean="0">
+                <a:solidFill>
+                  <a:schemeClr val="bg1">
+                    <a:lumMod val="65000"/>
+                  </a:schemeClr>
+                </a:solidFill>
+              </a:rPr>
+              <a:t>Faster hops over the space</a:t>
+            </a:r>
+          </a:p>
+          <a:p>
+            <a:pPr>
+              <a:lnSpc>
+                <a:spcPct val="120000"/>
+              </a:lnSpc>
+            </a:pPr>
+            <a:r>
+              <a:rPr lang="en-US" sz="2400" dirty="0" smtClean="0">
+                <a:solidFill>
+                  <a:schemeClr val="bg1">
+                    <a:lumMod val="65000"/>
+                  </a:schemeClr>
+                </a:solidFill>
+              </a:rPr>
+              <a:t>Active learning:</a:t>
+            </a:r>
+          </a:p>
+          <a:p>
+            <a:pPr lvl="1">
+              <a:lnSpc>
+                <a:spcPct val="120000"/>
+              </a:lnSpc>
+            </a:pPr>
+            <a:r>
+              <a:rPr lang="en-US" sz="2000" dirty="0" smtClean="0">
+                <a:solidFill>
+                  <a:schemeClr val="bg1">
+                    <a:lumMod val="65000"/>
+                  </a:schemeClr>
+                </a:solidFill>
+              </a:rPr>
+              <a:t>Scoring  examples costs X.</a:t>
+            </a:r>
+          </a:p>
+          <a:p>
+            <a:pPr lvl="1">
+              <a:lnSpc>
+                <a:spcPct val="120000"/>
+              </a:lnSpc>
+            </a:pPr>
+            <a:r>
+              <a:rPr lang="en-US" sz="2000" dirty="0" smtClean="0">
+                <a:solidFill>
+                  <a:schemeClr val="bg1">
+                    <a:lumMod val="65000"/>
+                  </a:schemeClr>
+                </a:solidFill>
+              </a:rPr>
+              <a:t>Minimize sum of X</a:t>
+            </a:r>
+          </a:p>
+        </p:txBody>
+      </p:sp>
+      <p:pic>
+        <p:nvPicPr>
+          <p:cNvPr id="6" name="Picture 5" descr="051712_gale_force_photos_8.jpg"/>
+          <p:cNvPicPr>
+            <a:picLocks noChangeAspect="1"/>
+          </p:cNvPicPr>
+          <p:nvPr/>
+        </p:nvPicPr>
+        <p:blipFill>
+          <a:blip r:embed="rId2">
+            <a:extLst>
+              <a:ext uri="{28A0092B-C50C-407E-A947-70E740481C1C}">
+                <a14:useLocalDpi xmlns:a14="http://schemas.microsoft.com/office/drawing/2010/main" val="0"/>
+              </a:ext>
+            </a:extLst>
+          </a:blip>
+          <a:stretch>
+            <a:fillRect/>
+          </a:stretch>
+        </p:blipFill>
+        <p:spPr>
+          <a:xfrm>
+            <a:off x="4565187" y="-744"/>
+            <a:ext cx="4610746" cy="6916119"/>
+          </a:xfrm>
+          <a:prstGeom prst="rect">
+            <a:avLst/>
+          </a:prstGeom>
+        </p:spPr>
+      </p:pic>
+      <p:cxnSp>
+        <p:nvCxnSpPr>
+          <p:cNvPr id="8" name="Straight Arrow Connector 7"/>
+          <p:cNvCxnSpPr/>
+          <p:nvPr/>
+        </p:nvCxnSpPr>
+        <p:spPr>
+          <a:xfrm>
+            <a:off x="4343806" y="2677412"/>
+            <a:ext cx="965490" cy="198894"/>
+          </a:xfrm>
+          <a:prstGeom prst="straightConnector1">
+            <a:avLst/>
+          </a:prstGeom>
+          <a:ln w="57150" cmpd="sng">
+            <a:tailEnd type="arrow"/>
+          </a:ln>
+        </p:spPr>
+        <p:style>
+          <a:lnRef idx="2">
+            <a:schemeClr val="accent1"/>
+          </a:lnRef>
+          <a:fillRef idx="0">
+            <a:schemeClr val="accent1"/>
+          </a:fillRef>
+          <a:effectRef idx="1">
+            <a:schemeClr val="accent1"/>
+          </a:effectRef>
+          <a:fontRef idx="minor">
+            <a:schemeClr val="tx1"/>
+          </a:fontRef>
+        </p:style>
+      </p:cxnSp>
+    </p:spTree>
+    <p:extLst>
+      <p:ext uri="{BB962C8B-B14F-4D97-AF65-F5344CB8AC3E}">
+        <p14:creationId xmlns:p14="http://schemas.microsoft.com/office/powerpoint/2010/main" val="527372645"/>
+      </p:ext>
+    </p:extLst>
+  </p:cSld>
+  <p:clrMapOvr>
+    <a:masterClrMapping/>
+  </p:clrMapOvr>
+  <p:timing>
+    <p:tnLst>
+      <p:par>
+        <p:cTn xmlns:p14="http://schemas.microsoft.com/office/powerpoint/2010/main" id="1" dur="indefinite" restart="never" nodeType="tmRoot"/>
+      </p:par>
+    </p:tnLst>
+  </p:timing>
+</p:sld>
+</file>
+
+<file path=ppt/slides/slide8.xml><?xml version="1.0" encoding="utf-8"?>
+<p:sld xmlns:a="http://schemas.openxmlformats.org/drawingml/2006/main" xmlns:r="http://schemas.openxmlformats.org/officeDocument/2006/relationships" xmlns:p="http://schemas.openxmlformats.org/presentationml/2006/main">
+  <p:cSld>
+    <p:spTree>
+      <p:nvGrpSpPr>
+        <p:cNvPr id="1" name=""/>
+        <p:cNvGrpSpPr/>
+        <p:nvPr/>
+      </p:nvGrpSpPr>
+      <p:grpSpPr>
+        <a:xfrm>
+          <a:off x="0" y="0"/>
+          <a:ext cx="0" cy="0"/>
+          <a:chOff x="0" y="0"/>
+          <a:chExt cx="0" cy="0"/>
+        </a:xfrm>
+      </p:grpSpPr>
+      <p:sp>
+        <p:nvSpPr>
           <p:cNvPr id="3" name="Content Placeholder 2"/>
           <p:cNvSpPr>
             <a:spLocks noGrp="1"/>
@@ -17861,7 +19174,7 @@
 </p:sld>
 </file>
 
-<file path=ppt/slides/slide5.xml><?xml version="1.0" encoding="utf-8"?>
+<file path=ppt/slides/slide9.xml><?xml version="1.0" encoding="utf-8"?>
 <p:sld xmlns:a="http://schemas.openxmlformats.org/drawingml/2006/main" xmlns:r="http://schemas.openxmlformats.org/officeDocument/2006/relationships" xmlns:p="http://schemas.openxmlformats.org/presentationml/2006/main">
   <p:cSld>
     <p:spTree>
@@ -18214,1230 +19527,6 @@
     <p:extLst>
       <p:ext uri="{BB962C8B-B14F-4D97-AF65-F5344CB8AC3E}">
         <p14:creationId xmlns:p14="http://schemas.microsoft.com/office/powerpoint/2010/main" val="1260217891"/>
-      </p:ext>
-    </p:extLst>
-  </p:cSld>
-  <p:clrMapOvr>
-    <a:masterClrMapping/>
-  </p:clrMapOvr>
-  <p:timing>
-    <p:tnLst>
-      <p:par>
-        <p:cTn xmlns:p14="http://schemas.microsoft.com/office/powerpoint/2010/main" id="1" dur="indefinite" restart="never" nodeType="tmRoot"/>
-      </p:par>
-    </p:tnLst>
-  </p:timing>
-</p:sld>
-</file>
-
-<file path=ppt/slides/slide6.xml><?xml version="1.0" encoding="utf-8"?>
-<p:sld xmlns:a="http://schemas.openxmlformats.org/drawingml/2006/main" xmlns:r="http://schemas.openxmlformats.org/officeDocument/2006/relationships" xmlns:p="http://schemas.openxmlformats.org/presentationml/2006/main">
-  <p:cSld>
-    <p:spTree>
-      <p:nvGrpSpPr>
-        <p:cNvPr id="1" name=""/>
-        <p:cNvGrpSpPr/>
-        <p:nvPr/>
-      </p:nvGrpSpPr>
-      <p:grpSpPr>
-        <a:xfrm>
-          <a:off x="0" y="0"/>
-          <a:ext cx="0" cy="0"/>
-          <a:chOff x="0" y="0"/>
-          <a:chExt cx="0" cy="0"/>
-        </a:xfrm>
-      </p:grpSpPr>
-      <p:sp>
-        <p:nvSpPr>
-          <p:cNvPr id="2" name="Title 1"/>
-          <p:cNvSpPr>
-            <a:spLocks noGrp="1"/>
-          </p:cNvSpPr>
-          <p:nvPr>
-            <p:ph type="title"/>
-          </p:nvPr>
-        </p:nvSpPr>
-        <p:spPr>
-          <a:xfrm>
-            <a:off x="441324" y="285582"/>
-            <a:ext cx="8286513" cy="1143000"/>
-          </a:xfrm>
-        </p:spPr>
-        <p:txBody>
-          <a:bodyPr>
-            <a:normAutofit/>
-          </a:bodyPr>
-          <a:lstStyle/>
-          <a:p>
-            <a:pPr algn="l">
-              <a:lnSpc>
-                <a:spcPct val="80000"/>
-              </a:lnSpc>
-            </a:pPr>
-            <a:r>
-              <a:rPr lang="en-US" dirty="0" smtClean="0"/>
-              <a:t>Roadmap</a:t>
-            </a:r>
-            <a:endParaRPr lang="en-US" dirty="0"/>
-          </a:p>
-        </p:txBody>
-      </p:sp>
-      <p:sp>
-        <p:nvSpPr>
-          <p:cNvPr id="3" name="Content Placeholder 2"/>
-          <p:cNvSpPr>
-            <a:spLocks noGrp="1"/>
-          </p:cNvSpPr>
-          <p:nvPr>
-            <p:ph idx="1"/>
-          </p:nvPr>
-        </p:nvSpPr>
-        <p:spPr>
-          <a:xfrm>
-            <a:off x="457199" y="1505078"/>
-            <a:ext cx="4290681" cy="4843336"/>
-          </a:xfrm>
-        </p:spPr>
-        <p:txBody>
-          <a:bodyPr>
-            <a:normAutofit fontScale="92500" lnSpcReduction="10000"/>
-          </a:bodyPr>
-          <a:lstStyle/>
-          <a:p>
-            <a:pPr>
-              <a:lnSpc>
-                <a:spcPct val="120000"/>
-              </a:lnSpc>
-            </a:pPr>
-            <a:r>
-              <a:rPr lang="en-US" sz="2400" dirty="0" smtClean="0">
-                <a:solidFill>
-                  <a:schemeClr val="bg1">
-                    <a:lumMod val="65000"/>
-                  </a:schemeClr>
-                </a:solidFill>
-              </a:rPr>
-              <a:t>Journal-first</a:t>
-            </a:r>
-          </a:p>
-          <a:p>
-            <a:pPr>
-              <a:lnSpc>
-                <a:spcPct val="120000"/>
-              </a:lnSpc>
-            </a:pPr>
-            <a:r>
-              <a:rPr lang="en-US" sz="2400" b="1" dirty="0" smtClean="0">
-                <a:solidFill>
-                  <a:srgbClr val="9F2021"/>
-                </a:solidFill>
-              </a:rPr>
-              <a:t>GALE</a:t>
-            </a:r>
-          </a:p>
-          <a:p>
-            <a:pPr lvl="1">
-              <a:lnSpc>
-                <a:spcPct val="120000"/>
-              </a:lnSpc>
-            </a:pPr>
-            <a:r>
-              <a:rPr lang="en-US" sz="2000" b="1" dirty="0" smtClean="0">
-                <a:solidFill>
-                  <a:srgbClr val="9F2021"/>
-                </a:solidFill>
-              </a:rPr>
-              <a:t>strong force to push you around</a:t>
-            </a:r>
-          </a:p>
-          <a:p>
-            <a:pPr>
-              <a:lnSpc>
-                <a:spcPct val="120000"/>
-              </a:lnSpc>
-            </a:pPr>
-            <a:r>
-              <a:rPr lang="en-US" sz="2400" dirty="0" smtClean="0">
-                <a:solidFill>
-                  <a:schemeClr val="bg1">
-                    <a:lumMod val="65000"/>
-                  </a:schemeClr>
-                </a:solidFill>
-              </a:rPr>
-              <a:t>Search-based SE</a:t>
-            </a:r>
-          </a:p>
-          <a:p>
-            <a:pPr lvl="1">
-              <a:lnSpc>
-                <a:spcPct val="120000"/>
-              </a:lnSpc>
-            </a:pPr>
-            <a:r>
-              <a:rPr lang="en-US" sz="2000" dirty="0" smtClean="0">
-                <a:solidFill>
-                  <a:schemeClr val="bg1">
-                    <a:lumMod val="65000"/>
-                  </a:schemeClr>
-                </a:solidFill>
-              </a:rPr>
-              <a:t>The future of SE</a:t>
-            </a:r>
-          </a:p>
-          <a:p>
-            <a:pPr lvl="1">
-              <a:lnSpc>
-                <a:spcPct val="120000"/>
-              </a:lnSpc>
-            </a:pPr>
-            <a:r>
-              <a:rPr lang="en-US" sz="2000" dirty="0" smtClean="0">
-                <a:solidFill>
-                  <a:schemeClr val="bg1">
-                    <a:lumMod val="65000"/>
-                  </a:schemeClr>
-                </a:solidFill>
-              </a:rPr>
-              <a:t>Why we explore with GALE</a:t>
-            </a:r>
-            <a:endParaRPr lang="en-US" sz="2000" dirty="0" smtClean="0">
-              <a:solidFill>
-                <a:schemeClr val="bg1">
-                  <a:lumMod val="65000"/>
-                </a:schemeClr>
-              </a:solidFill>
-            </a:endParaRPr>
-          </a:p>
-          <a:p>
-            <a:pPr>
-              <a:lnSpc>
-                <a:spcPct val="120000"/>
-              </a:lnSpc>
-            </a:pPr>
-            <a:r>
-              <a:rPr lang="en-US" sz="2400" dirty="0" smtClean="0">
-                <a:solidFill>
-                  <a:schemeClr val="bg1">
-                    <a:lumMod val="65000"/>
-                  </a:schemeClr>
-                </a:solidFill>
-              </a:rPr>
-              <a:t>Geometric</a:t>
-            </a:r>
-          </a:p>
-          <a:p>
-            <a:pPr lvl="1">
-              <a:lnSpc>
-                <a:spcPct val="120000"/>
-              </a:lnSpc>
-            </a:pPr>
-            <a:r>
-              <a:rPr lang="en-US" sz="2000" dirty="0" smtClean="0">
-                <a:solidFill>
-                  <a:schemeClr val="bg1">
-                    <a:lumMod val="65000"/>
-                  </a:schemeClr>
-                </a:solidFill>
-              </a:rPr>
-              <a:t>Look before you leap</a:t>
-            </a:r>
-          </a:p>
-          <a:p>
-            <a:pPr lvl="1">
-              <a:lnSpc>
-                <a:spcPct val="120000"/>
-              </a:lnSpc>
-            </a:pPr>
-            <a:r>
-              <a:rPr lang="en-US" sz="2000" dirty="0" smtClean="0">
-                <a:solidFill>
-                  <a:schemeClr val="bg1">
-                    <a:lumMod val="65000"/>
-                  </a:schemeClr>
-                </a:solidFill>
-              </a:rPr>
-              <a:t>Faster hops over space</a:t>
-            </a:r>
-          </a:p>
-          <a:p>
-            <a:pPr>
-              <a:lnSpc>
-                <a:spcPct val="120000"/>
-              </a:lnSpc>
-            </a:pPr>
-            <a:r>
-              <a:rPr lang="en-US" sz="2400" dirty="0" smtClean="0">
-                <a:solidFill>
-                  <a:schemeClr val="bg1">
-                    <a:lumMod val="65000"/>
-                  </a:schemeClr>
-                </a:solidFill>
-              </a:rPr>
-              <a:t>Active learning:</a:t>
-            </a:r>
-          </a:p>
-          <a:p>
-            <a:pPr lvl="1">
-              <a:lnSpc>
-                <a:spcPct val="120000"/>
-              </a:lnSpc>
-            </a:pPr>
-            <a:r>
-              <a:rPr lang="en-US" sz="2000" dirty="0" smtClean="0">
-                <a:solidFill>
-                  <a:schemeClr val="bg1">
-                    <a:lumMod val="65000"/>
-                  </a:schemeClr>
-                </a:solidFill>
-              </a:rPr>
-              <a:t>Scoring  examples costs X.</a:t>
-            </a:r>
-          </a:p>
-          <a:p>
-            <a:pPr lvl="1">
-              <a:lnSpc>
-                <a:spcPct val="120000"/>
-              </a:lnSpc>
-            </a:pPr>
-            <a:r>
-              <a:rPr lang="en-US" sz="2000" dirty="0" smtClean="0">
-                <a:solidFill>
-                  <a:schemeClr val="bg1">
-                    <a:lumMod val="65000"/>
-                  </a:schemeClr>
-                </a:solidFill>
-              </a:rPr>
-              <a:t>Minimize sum of X</a:t>
-            </a:r>
-          </a:p>
-        </p:txBody>
-      </p:sp>
-      <p:pic>
-        <p:nvPicPr>
-          <p:cNvPr id="6" name="Picture 5" descr="051712_gale_force_photos_8.jpg"/>
-          <p:cNvPicPr>
-            <a:picLocks noChangeAspect="1"/>
-          </p:cNvPicPr>
-          <p:nvPr/>
-        </p:nvPicPr>
-        <p:blipFill>
-          <a:blip r:embed="rId2">
-            <a:extLst>
-              <a:ext uri="{28A0092B-C50C-407E-A947-70E740481C1C}">
-                <a14:useLocalDpi xmlns:a14="http://schemas.microsoft.com/office/drawing/2010/main" val="0"/>
-              </a:ext>
-            </a:extLst>
-          </a:blip>
-          <a:stretch>
-            <a:fillRect/>
-          </a:stretch>
-        </p:blipFill>
-        <p:spPr>
-          <a:xfrm>
-            <a:off x="4565187" y="-744"/>
-            <a:ext cx="4610746" cy="6916119"/>
-          </a:xfrm>
-          <a:prstGeom prst="rect">
-            <a:avLst/>
-          </a:prstGeom>
-        </p:spPr>
-      </p:pic>
-      <p:cxnSp>
-        <p:nvCxnSpPr>
-          <p:cNvPr id="8" name="Straight Arrow Connector 7"/>
-          <p:cNvCxnSpPr/>
-          <p:nvPr/>
-        </p:nvCxnSpPr>
-        <p:spPr>
-          <a:xfrm>
-            <a:off x="4343806" y="2677412"/>
-            <a:ext cx="965490" cy="198894"/>
-          </a:xfrm>
-          <a:prstGeom prst="straightConnector1">
-            <a:avLst/>
-          </a:prstGeom>
-          <a:ln w="57150" cmpd="sng">
-            <a:tailEnd type="arrow"/>
-          </a:ln>
-        </p:spPr>
-        <p:style>
-          <a:lnRef idx="2">
-            <a:schemeClr val="accent1"/>
-          </a:lnRef>
-          <a:fillRef idx="0">
-            <a:schemeClr val="accent1"/>
-          </a:fillRef>
-          <a:effectRef idx="1">
-            <a:schemeClr val="accent1"/>
-          </a:effectRef>
-          <a:fontRef idx="minor">
-            <a:schemeClr val="tx1"/>
-          </a:fontRef>
-        </p:style>
-      </p:cxnSp>
-    </p:spTree>
-    <p:extLst>
-      <p:ext uri="{BB962C8B-B14F-4D97-AF65-F5344CB8AC3E}">
-        <p14:creationId xmlns:p14="http://schemas.microsoft.com/office/powerpoint/2010/main" val="1393459915"/>
-      </p:ext>
-    </p:extLst>
-  </p:cSld>
-  <p:clrMapOvr>
-    <a:masterClrMapping/>
-  </p:clrMapOvr>
-  <p:timing>
-    <p:tnLst>
-      <p:par>
-        <p:cTn xmlns:p14="http://schemas.microsoft.com/office/powerpoint/2010/main" id="1" dur="indefinite" restart="never" nodeType="tmRoot"/>
-      </p:par>
-    </p:tnLst>
-  </p:timing>
-</p:sld>
-</file>
-
-<file path=ppt/slides/slide7.xml><?xml version="1.0" encoding="utf-8"?>
-<p:sld xmlns:a="http://schemas.openxmlformats.org/drawingml/2006/main" xmlns:r="http://schemas.openxmlformats.org/officeDocument/2006/relationships" xmlns:p="http://schemas.openxmlformats.org/presentationml/2006/main">
-  <p:cSld>
-    <p:spTree>
-      <p:nvGrpSpPr>
-        <p:cNvPr id="1" name=""/>
-        <p:cNvGrpSpPr/>
-        <p:nvPr/>
-      </p:nvGrpSpPr>
-      <p:grpSpPr>
-        <a:xfrm>
-          <a:off x="0" y="0"/>
-          <a:ext cx="0" cy="0"/>
-          <a:chOff x="0" y="0"/>
-          <a:chExt cx="0" cy="0"/>
-        </a:xfrm>
-      </p:grpSpPr>
-      <p:pic>
-        <p:nvPicPr>
-          <p:cNvPr id="4" name="Picture 3"/>
-          <p:cNvPicPr>
-            <a:picLocks noChangeAspect="1"/>
-          </p:cNvPicPr>
-          <p:nvPr/>
-        </p:nvPicPr>
-        <p:blipFill>
-          <a:blip r:embed="rId2"/>
-          <a:stretch>
-            <a:fillRect/>
-          </a:stretch>
-        </p:blipFill>
-        <p:spPr>
-          <a:xfrm>
-            <a:off x="3835690" y="1934181"/>
-            <a:ext cx="4973281" cy="3927686"/>
-          </a:xfrm>
-          <a:prstGeom prst="rect">
-            <a:avLst/>
-          </a:prstGeom>
-        </p:spPr>
-      </p:pic>
-      <p:sp>
-        <p:nvSpPr>
-          <p:cNvPr id="2" name="Title 1"/>
-          <p:cNvSpPr>
-            <a:spLocks noGrp="1"/>
-          </p:cNvSpPr>
-          <p:nvPr>
-            <p:ph type="title"/>
-          </p:nvPr>
-        </p:nvSpPr>
-        <p:spPr/>
-        <p:txBody>
-          <a:bodyPr>
-            <a:normAutofit/>
-          </a:bodyPr>
-          <a:lstStyle/>
-          <a:p>
-            <a:r>
-              <a:rPr lang="en-US" dirty="0" smtClean="0"/>
-              <a:t>GALE force</a:t>
-            </a:r>
-            <a:endParaRPr lang="en-US" dirty="0"/>
-          </a:p>
-        </p:txBody>
-      </p:sp>
-      <p:sp>
-        <p:nvSpPr>
-          <p:cNvPr id="3" name="Content Placeholder 2"/>
-          <p:cNvSpPr>
-            <a:spLocks noGrp="1"/>
-          </p:cNvSpPr>
-          <p:nvPr>
-            <p:ph idx="1"/>
-          </p:nvPr>
-        </p:nvSpPr>
-        <p:spPr>
-          <a:xfrm>
-            <a:off x="457200" y="1513620"/>
-            <a:ext cx="6873874" cy="4743875"/>
-          </a:xfrm>
-        </p:spPr>
-        <p:txBody>
-          <a:bodyPr>
-            <a:normAutofit fontScale="85000" lnSpcReduction="20000"/>
-          </a:bodyPr>
-          <a:lstStyle/>
-          <a:p>
-            <a:pPr marL="0" indent="0">
-              <a:buNone/>
-            </a:pPr>
-            <a:r>
-              <a:rPr lang="en-US" sz="2800" dirty="0" smtClean="0"/>
-              <a:t>Approximate the space </a:t>
-            </a:r>
-          </a:p>
-          <a:p>
-            <a:pPr lvl="1" indent="-342900"/>
-            <a:r>
-              <a:rPr lang="en-US" sz="2400" dirty="0" smtClean="0"/>
-              <a:t>k=2 divisive clustering </a:t>
-            </a:r>
-            <a:br>
-              <a:rPr lang="en-US" sz="2400" dirty="0" smtClean="0"/>
-            </a:br>
-            <a:r>
-              <a:rPr lang="en-US" sz="2400" dirty="0" smtClean="0"/>
-              <a:t/>
-            </a:r>
-            <a:br>
-              <a:rPr lang="en-US" sz="2400" dirty="0" smtClean="0"/>
-            </a:br>
-            <a:endParaRPr lang="en-US" sz="2400" dirty="0" smtClean="0"/>
-          </a:p>
-          <a:p>
-            <a:pPr marL="400050" lvl="1" indent="0">
-              <a:buNone/>
-            </a:pPr>
-            <a:endParaRPr lang="en-US" sz="2000" dirty="0" smtClean="0"/>
-          </a:p>
-          <a:p>
-            <a:pPr marL="0" indent="0">
-              <a:buNone/>
-            </a:pPr>
-            <a:r>
-              <a:rPr lang="en-US" sz="2800" dirty="0" smtClean="0"/>
-              <a:t>Evaluate 2 distant </a:t>
-            </a:r>
-            <a:br>
-              <a:rPr lang="en-US" sz="2800" dirty="0" smtClean="0"/>
-            </a:br>
-            <a:r>
-              <a:rPr lang="en-US" sz="2800" dirty="0" smtClean="0"/>
-              <a:t>points (X,Y) per cluster</a:t>
-            </a:r>
-            <a:br>
-              <a:rPr lang="en-US" sz="2800" dirty="0" smtClean="0"/>
-            </a:br>
-            <a:r>
-              <a:rPr lang="en-US" sz="2800" dirty="0" smtClean="0"/>
-              <a:t/>
-            </a:r>
-            <a:br>
-              <a:rPr lang="en-US" sz="2800" dirty="0" smtClean="0"/>
-            </a:br>
-            <a:endParaRPr lang="en-US" sz="2800" dirty="0" smtClean="0"/>
-          </a:p>
-          <a:p>
-            <a:pPr marL="0" indent="0">
-              <a:buNone/>
-            </a:pPr>
-            <a:r>
-              <a:rPr lang="en-US" sz="2800" dirty="0" smtClean="0"/>
-              <a:t>If better(X,Y)</a:t>
-            </a:r>
-          </a:p>
-          <a:p>
-            <a:pPr lvl="1" indent="-342900"/>
-            <a:r>
-              <a:rPr lang="en-US" sz="2400" dirty="0" smtClean="0"/>
-              <a:t>If size(cluster) &gt; large</a:t>
-            </a:r>
-            <a:endParaRPr lang="en-US" sz="2400" dirty="0"/>
-          </a:p>
-          <a:p>
-            <a:pPr lvl="2"/>
-            <a:r>
-              <a:rPr lang="en-US" sz="2100" dirty="0" smtClean="0"/>
-              <a:t>Cut in two</a:t>
-            </a:r>
-          </a:p>
-          <a:p>
-            <a:pPr lvl="2"/>
-            <a:r>
-              <a:rPr lang="en-US" sz="2100" dirty="0" err="1" smtClean="0"/>
-              <a:t>Recurse</a:t>
-            </a:r>
-            <a:r>
-              <a:rPr lang="en-US" sz="2100" dirty="0" smtClean="0"/>
-              <a:t> on better half</a:t>
-            </a:r>
-          </a:p>
-          <a:p>
-            <a:pPr lvl="1"/>
-            <a:r>
-              <a:rPr lang="en-US" sz="2400" dirty="0" smtClean="0"/>
-              <a:t>Else, push points  towards X</a:t>
-            </a:r>
-            <a:br>
-              <a:rPr lang="en-US" sz="2400" dirty="0" smtClean="0"/>
-            </a:br>
-            <a:endParaRPr lang="en-US" sz="2400" dirty="0" smtClean="0"/>
-          </a:p>
-        </p:txBody>
-      </p:sp>
-      <p:sp>
-        <p:nvSpPr>
-          <p:cNvPr id="5" name="TextBox 4"/>
-          <p:cNvSpPr txBox="1"/>
-          <p:nvPr/>
-        </p:nvSpPr>
-        <p:spPr>
-          <a:xfrm>
-            <a:off x="6442197" y="1597828"/>
-            <a:ext cx="1913510" cy="923330"/>
-          </a:xfrm>
-          <a:prstGeom prst="rect">
-            <a:avLst/>
-          </a:prstGeom>
-          <a:noFill/>
-        </p:spPr>
-        <p:txBody>
-          <a:bodyPr wrap="square" rtlCol="0">
-            <a:spAutoFit/>
-          </a:bodyPr>
-          <a:lstStyle/>
-          <a:p>
-            <a:pPr algn="r"/>
-            <a:r>
-              <a:rPr lang="en-US" dirty="0" smtClean="0"/>
-              <a:t>e.g. </a:t>
-            </a:r>
-            <a:r>
-              <a:rPr lang="en-US" b="1" dirty="0" smtClean="0">
-                <a:solidFill>
-                  <a:srgbClr val="F0A631"/>
-                </a:solidFill>
-              </a:rPr>
-              <a:t>orange</a:t>
-            </a:r>
-            <a:r>
-              <a:rPr lang="en-US" dirty="0" smtClean="0"/>
-              <a:t> points get  pushed </a:t>
-            </a:r>
-            <a:br>
-              <a:rPr lang="en-US" dirty="0" smtClean="0"/>
-            </a:br>
-            <a:r>
-              <a:rPr lang="en-US" dirty="0" smtClean="0"/>
-              <a:t>this </a:t>
-            </a:r>
-            <a:r>
-              <a:rPr lang="en-US" dirty="0"/>
-              <a:t> </a:t>
-            </a:r>
-            <a:r>
-              <a:rPr lang="en-US" dirty="0" smtClean="0"/>
-              <a:t>way</a:t>
-            </a:r>
-            <a:endParaRPr lang="en-US" dirty="0"/>
-          </a:p>
-        </p:txBody>
-      </p:sp>
-      <p:cxnSp>
-        <p:nvCxnSpPr>
-          <p:cNvPr id="12" name="Straight Arrow Connector 11"/>
-          <p:cNvCxnSpPr/>
-          <p:nvPr/>
-        </p:nvCxnSpPr>
-        <p:spPr>
-          <a:xfrm flipH="1" flipV="1">
-            <a:off x="6748217" y="2013596"/>
-            <a:ext cx="154192" cy="720552"/>
-          </a:xfrm>
-          <a:prstGeom prst="straightConnector1">
-            <a:avLst/>
-          </a:prstGeom>
-          <a:ln w="76200" cmpd="sng">
-            <a:solidFill>
-              <a:srgbClr val="F0A631"/>
-            </a:solidFill>
-            <a:tailEnd type="arrow"/>
-          </a:ln>
-        </p:spPr>
-        <p:style>
-          <a:lnRef idx="2">
-            <a:schemeClr val="accent1"/>
-          </a:lnRef>
-          <a:fillRef idx="0">
-            <a:schemeClr val="accent1"/>
-          </a:fillRef>
-          <a:effectRef idx="1">
-            <a:schemeClr val="accent1"/>
-          </a:effectRef>
-          <a:fontRef idx="minor">
-            <a:schemeClr val="tx1"/>
-          </a:fontRef>
-        </p:style>
-      </p:cxnSp>
-    </p:spTree>
-    <p:extLst>
-      <p:ext uri="{BB962C8B-B14F-4D97-AF65-F5344CB8AC3E}">
-        <p14:creationId xmlns:p14="http://schemas.microsoft.com/office/powerpoint/2010/main" val="3137621056"/>
-      </p:ext>
-    </p:extLst>
-  </p:cSld>
-  <p:clrMapOvr>
-    <a:masterClrMapping/>
-  </p:clrMapOvr>
-  <p:timing>
-    <p:tnLst>
-      <p:par>
-        <p:cTn xmlns:p14="http://schemas.microsoft.com/office/powerpoint/2010/main" id="1" dur="indefinite" restart="never" nodeType="tmRoot"/>
-      </p:par>
-    </p:tnLst>
-  </p:timing>
-</p:sld>
-</file>
-
-<file path=ppt/slides/slide8.xml><?xml version="1.0" encoding="utf-8"?>
-<p:sld xmlns:a="http://schemas.openxmlformats.org/drawingml/2006/main" xmlns:r="http://schemas.openxmlformats.org/officeDocument/2006/relationships" xmlns:p="http://schemas.openxmlformats.org/presentationml/2006/main">
-  <p:cSld>
-    <p:spTree>
-      <p:nvGrpSpPr>
-        <p:cNvPr id="1" name=""/>
-        <p:cNvGrpSpPr/>
-        <p:nvPr/>
-      </p:nvGrpSpPr>
-      <p:grpSpPr>
-        <a:xfrm>
-          <a:off x="0" y="0"/>
-          <a:ext cx="0" cy="0"/>
-          <a:chOff x="0" y="0"/>
-          <a:chExt cx="0" cy="0"/>
-        </a:xfrm>
-      </p:grpSpPr>
-      <p:sp>
-        <p:nvSpPr>
-          <p:cNvPr id="2" name="Title 1"/>
-          <p:cNvSpPr>
-            <a:spLocks noGrp="1"/>
-          </p:cNvSpPr>
-          <p:nvPr>
-            <p:ph type="title"/>
-          </p:nvPr>
-        </p:nvSpPr>
-        <p:spPr>
-          <a:xfrm>
-            <a:off x="441324" y="285582"/>
-            <a:ext cx="8286513" cy="1143000"/>
-          </a:xfrm>
-        </p:spPr>
-        <p:txBody>
-          <a:bodyPr>
-            <a:normAutofit/>
-          </a:bodyPr>
-          <a:lstStyle/>
-          <a:p>
-            <a:pPr algn="l">
-              <a:lnSpc>
-                <a:spcPct val="80000"/>
-              </a:lnSpc>
-            </a:pPr>
-            <a:r>
-              <a:rPr lang="en-US" dirty="0" smtClean="0"/>
-              <a:t>Roadmap</a:t>
-            </a:r>
-            <a:endParaRPr lang="en-US" dirty="0"/>
-          </a:p>
-        </p:txBody>
-      </p:sp>
-      <p:sp>
-        <p:nvSpPr>
-          <p:cNvPr id="3" name="Content Placeholder 2"/>
-          <p:cNvSpPr>
-            <a:spLocks noGrp="1"/>
-          </p:cNvSpPr>
-          <p:nvPr>
-            <p:ph idx="1"/>
-          </p:nvPr>
-        </p:nvSpPr>
-        <p:spPr>
-          <a:xfrm>
-            <a:off x="457199" y="1505078"/>
-            <a:ext cx="4290681" cy="4843336"/>
-          </a:xfrm>
-        </p:spPr>
-        <p:txBody>
-          <a:bodyPr>
-            <a:normAutofit fontScale="92500" lnSpcReduction="10000"/>
-          </a:bodyPr>
-          <a:lstStyle/>
-          <a:p>
-            <a:pPr>
-              <a:lnSpc>
-                <a:spcPct val="120000"/>
-              </a:lnSpc>
-            </a:pPr>
-            <a:r>
-              <a:rPr lang="en-US" sz="2400" dirty="0" smtClean="0">
-                <a:solidFill>
-                  <a:schemeClr val="bg1">
-                    <a:lumMod val="65000"/>
-                  </a:schemeClr>
-                </a:solidFill>
-              </a:rPr>
-              <a:t>Journal-first</a:t>
-            </a:r>
-          </a:p>
-          <a:p>
-            <a:pPr>
-              <a:lnSpc>
-                <a:spcPct val="120000"/>
-              </a:lnSpc>
-            </a:pPr>
-            <a:r>
-              <a:rPr lang="en-US" sz="2400" dirty="0" smtClean="0">
-                <a:solidFill>
-                  <a:schemeClr val="bg1">
-                    <a:lumMod val="65000"/>
-                  </a:schemeClr>
-                </a:solidFill>
-              </a:rPr>
-              <a:t>GALE</a:t>
-            </a:r>
-          </a:p>
-          <a:p>
-            <a:pPr lvl="1">
-              <a:lnSpc>
-                <a:spcPct val="120000"/>
-              </a:lnSpc>
-            </a:pPr>
-            <a:r>
-              <a:rPr lang="en-US" sz="2000" dirty="0" smtClean="0">
-                <a:solidFill>
-                  <a:schemeClr val="bg1">
-                    <a:lumMod val="65000"/>
-                  </a:schemeClr>
-                </a:solidFill>
-              </a:rPr>
-              <a:t>strong force to push you around</a:t>
-            </a:r>
-          </a:p>
-          <a:p>
-            <a:pPr>
-              <a:lnSpc>
-                <a:spcPct val="120000"/>
-              </a:lnSpc>
-            </a:pPr>
-            <a:r>
-              <a:rPr lang="en-US" sz="2400" b="1" dirty="0" smtClean="0">
-                <a:solidFill>
-                  <a:srgbClr val="9F2021"/>
-                </a:solidFill>
-              </a:rPr>
-              <a:t>Search-based SE</a:t>
-            </a:r>
-          </a:p>
-          <a:p>
-            <a:pPr lvl="1">
-              <a:lnSpc>
-                <a:spcPct val="120000"/>
-              </a:lnSpc>
-            </a:pPr>
-            <a:r>
-              <a:rPr lang="en-US" sz="2000" b="1" dirty="0" smtClean="0">
-                <a:solidFill>
-                  <a:srgbClr val="9F2021"/>
-                </a:solidFill>
-              </a:rPr>
-              <a:t>The future of SE</a:t>
-            </a:r>
-          </a:p>
-          <a:p>
-            <a:pPr lvl="1">
-              <a:lnSpc>
-                <a:spcPct val="120000"/>
-              </a:lnSpc>
-            </a:pPr>
-            <a:r>
-              <a:rPr lang="en-US" sz="2000" b="1" dirty="0" smtClean="0">
-                <a:solidFill>
-                  <a:srgbClr val="9F2021"/>
-                </a:solidFill>
-              </a:rPr>
-              <a:t>Why we explore with GALE</a:t>
-            </a:r>
-            <a:endParaRPr lang="en-US" sz="2000" b="1" dirty="0" smtClean="0">
-              <a:solidFill>
-                <a:srgbClr val="9F2021"/>
-              </a:solidFill>
-            </a:endParaRPr>
-          </a:p>
-          <a:p>
-            <a:pPr>
-              <a:lnSpc>
-                <a:spcPct val="120000"/>
-              </a:lnSpc>
-            </a:pPr>
-            <a:r>
-              <a:rPr lang="en-US" sz="2400" dirty="0" smtClean="0">
-                <a:solidFill>
-                  <a:schemeClr val="bg1">
-                    <a:lumMod val="65000"/>
-                  </a:schemeClr>
-                </a:solidFill>
-              </a:rPr>
-              <a:t>Geometric</a:t>
-            </a:r>
-          </a:p>
-          <a:p>
-            <a:pPr lvl="1">
-              <a:lnSpc>
-                <a:spcPct val="120000"/>
-              </a:lnSpc>
-            </a:pPr>
-            <a:r>
-              <a:rPr lang="en-US" sz="2000" dirty="0" smtClean="0">
-                <a:solidFill>
-                  <a:schemeClr val="bg1">
-                    <a:lumMod val="65000"/>
-                  </a:schemeClr>
-                </a:solidFill>
-              </a:rPr>
-              <a:t>Look before you leap</a:t>
-            </a:r>
-          </a:p>
-          <a:p>
-            <a:pPr lvl="1">
-              <a:lnSpc>
-                <a:spcPct val="120000"/>
-              </a:lnSpc>
-            </a:pPr>
-            <a:r>
-              <a:rPr lang="en-US" sz="2000" dirty="0" smtClean="0">
-                <a:solidFill>
-                  <a:schemeClr val="bg1">
-                    <a:lumMod val="65000"/>
-                  </a:schemeClr>
-                </a:solidFill>
-              </a:rPr>
-              <a:t>Faster hops over space</a:t>
-            </a:r>
-          </a:p>
-          <a:p>
-            <a:pPr>
-              <a:lnSpc>
-                <a:spcPct val="120000"/>
-              </a:lnSpc>
-            </a:pPr>
-            <a:r>
-              <a:rPr lang="en-US" sz="2400" dirty="0" smtClean="0">
-                <a:solidFill>
-                  <a:schemeClr val="bg1">
-                    <a:lumMod val="65000"/>
-                  </a:schemeClr>
-                </a:solidFill>
-              </a:rPr>
-              <a:t>Active learning:</a:t>
-            </a:r>
-          </a:p>
-          <a:p>
-            <a:pPr lvl="1">
-              <a:lnSpc>
-                <a:spcPct val="120000"/>
-              </a:lnSpc>
-            </a:pPr>
-            <a:r>
-              <a:rPr lang="en-US" sz="2000" dirty="0" smtClean="0">
-                <a:solidFill>
-                  <a:schemeClr val="bg1">
-                    <a:lumMod val="65000"/>
-                  </a:schemeClr>
-                </a:solidFill>
-              </a:rPr>
-              <a:t>Scoring  examples costs X.</a:t>
-            </a:r>
-          </a:p>
-          <a:p>
-            <a:pPr lvl="1">
-              <a:lnSpc>
-                <a:spcPct val="120000"/>
-              </a:lnSpc>
-            </a:pPr>
-            <a:r>
-              <a:rPr lang="en-US" sz="2000" dirty="0" smtClean="0">
-                <a:solidFill>
-                  <a:schemeClr val="bg1">
-                    <a:lumMod val="65000"/>
-                  </a:schemeClr>
-                </a:solidFill>
-              </a:rPr>
-              <a:t>Minimize sum of X</a:t>
-            </a:r>
-          </a:p>
-        </p:txBody>
-      </p:sp>
-      <p:pic>
-        <p:nvPicPr>
-          <p:cNvPr id="6" name="Picture 5" descr="051712_gale_force_photos_8.jpg"/>
-          <p:cNvPicPr>
-            <a:picLocks noChangeAspect="1"/>
-          </p:cNvPicPr>
-          <p:nvPr/>
-        </p:nvPicPr>
-        <p:blipFill>
-          <a:blip r:embed="rId2">
-            <a:extLst>
-              <a:ext uri="{28A0092B-C50C-407E-A947-70E740481C1C}">
-                <a14:useLocalDpi xmlns:a14="http://schemas.microsoft.com/office/drawing/2010/main" val="0"/>
-              </a:ext>
-            </a:extLst>
-          </a:blip>
-          <a:stretch>
-            <a:fillRect/>
-          </a:stretch>
-        </p:blipFill>
-        <p:spPr>
-          <a:xfrm>
-            <a:off x="4565187" y="-744"/>
-            <a:ext cx="4610746" cy="6916119"/>
-          </a:xfrm>
-          <a:prstGeom prst="rect">
-            <a:avLst/>
-          </a:prstGeom>
-        </p:spPr>
-      </p:pic>
-      <p:cxnSp>
-        <p:nvCxnSpPr>
-          <p:cNvPr id="8" name="Straight Arrow Connector 7"/>
-          <p:cNvCxnSpPr/>
-          <p:nvPr/>
-        </p:nvCxnSpPr>
-        <p:spPr>
-          <a:xfrm>
-            <a:off x="4343806" y="2677412"/>
-            <a:ext cx="965490" cy="198894"/>
-          </a:xfrm>
-          <a:prstGeom prst="straightConnector1">
-            <a:avLst/>
-          </a:prstGeom>
-          <a:ln w="57150" cmpd="sng">
-            <a:tailEnd type="arrow"/>
-          </a:ln>
-        </p:spPr>
-        <p:style>
-          <a:lnRef idx="2">
-            <a:schemeClr val="accent1"/>
-          </a:lnRef>
-          <a:fillRef idx="0">
-            <a:schemeClr val="accent1"/>
-          </a:fillRef>
-          <a:effectRef idx="1">
-            <a:schemeClr val="accent1"/>
-          </a:effectRef>
-          <a:fontRef idx="minor">
-            <a:schemeClr val="tx1"/>
-          </a:fontRef>
-        </p:style>
-      </p:cxnSp>
-    </p:spTree>
-    <p:extLst>
-      <p:ext uri="{BB962C8B-B14F-4D97-AF65-F5344CB8AC3E}">
-        <p14:creationId xmlns:p14="http://schemas.microsoft.com/office/powerpoint/2010/main" val="3541614255"/>
-      </p:ext>
-    </p:extLst>
-  </p:cSld>
-  <p:clrMapOvr>
-    <a:masterClrMapping/>
-  </p:clrMapOvr>
-  <p:timing>
-    <p:tnLst>
-      <p:par>
-        <p:cTn xmlns:p14="http://schemas.microsoft.com/office/powerpoint/2010/main" id="1" dur="indefinite" restart="never" nodeType="tmRoot"/>
-      </p:par>
-    </p:tnLst>
-  </p:timing>
-</p:sld>
-</file>
-
-<file path=ppt/slides/slide9.xml><?xml version="1.0" encoding="utf-8"?>
-<p:sld xmlns:a="http://schemas.openxmlformats.org/drawingml/2006/main" xmlns:r="http://schemas.openxmlformats.org/officeDocument/2006/relationships" xmlns:p="http://schemas.openxmlformats.org/presentationml/2006/main">
-  <p:cSld>
-    <p:spTree>
-      <p:nvGrpSpPr>
-        <p:cNvPr id="1" name=""/>
-        <p:cNvGrpSpPr/>
-        <p:nvPr/>
-      </p:nvGrpSpPr>
-      <p:grpSpPr>
-        <a:xfrm>
-          <a:off x="0" y="0"/>
-          <a:ext cx="0" cy="0"/>
-          <a:chOff x="0" y="0"/>
-          <a:chExt cx="0" cy="0"/>
-        </a:xfrm>
-      </p:grpSpPr>
-      <p:sp>
-        <p:nvSpPr>
-          <p:cNvPr id="2" name="Title 1"/>
-          <p:cNvSpPr>
-            <a:spLocks noGrp="1"/>
-          </p:cNvSpPr>
-          <p:nvPr>
-            <p:ph type="title"/>
-          </p:nvPr>
-        </p:nvSpPr>
-        <p:spPr/>
-        <p:txBody>
-          <a:bodyPr/>
-          <a:lstStyle/>
-          <a:p>
-            <a:r>
-              <a:rPr lang="en-US" dirty="0" smtClean="0"/>
-              <a:t>Models are </a:t>
-            </a:r>
-            <a:r>
-              <a:rPr lang="en-US" dirty="0" smtClean="0"/>
-              <a:t>everywhere</a:t>
-            </a:r>
-            <a:endParaRPr lang="en-US" dirty="0"/>
-          </a:p>
-        </p:txBody>
-      </p:sp>
-      <p:sp>
-        <p:nvSpPr>
-          <p:cNvPr id="3" name="Content Placeholder 2"/>
-          <p:cNvSpPr>
-            <a:spLocks noGrp="1"/>
-          </p:cNvSpPr>
-          <p:nvPr>
-            <p:ph sz="half" idx="1"/>
-          </p:nvPr>
-        </p:nvSpPr>
-        <p:spPr>
-          <a:xfrm>
-            <a:off x="317510" y="1612769"/>
-            <a:ext cx="5125516" cy="4525963"/>
-          </a:xfrm>
-        </p:spPr>
-        <p:txBody>
-          <a:bodyPr>
-            <a:noAutofit/>
-          </a:bodyPr>
-          <a:lstStyle/>
-          <a:p>
-            <a:r>
-              <a:rPr lang="en-US" sz="1800" dirty="0" smtClean="0"/>
-              <a:t>If you call an ambulance in London or New York, </a:t>
-            </a:r>
-          </a:p>
-          <a:p>
-            <a:pPr lvl="1"/>
-            <a:r>
-              <a:rPr lang="en-US" sz="1600" dirty="0" smtClean="0"/>
-              <a:t>those ambulances are controlled by emergency response models.</a:t>
-            </a:r>
-            <a:br>
-              <a:rPr lang="en-US" sz="1600" dirty="0" smtClean="0"/>
-            </a:br>
-            <a:endParaRPr lang="en-US" sz="1600" dirty="0" smtClean="0"/>
-          </a:p>
-          <a:p>
-            <a:r>
-              <a:rPr lang="en-US" sz="1800" dirty="0" smtClean="0"/>
-              <a:t>If you cross the border Arizona to Mexico, </a:t>
-            </a:r>
-          </a:p>
-          <a:p>
-            <a:pPr lvl="1"/>
-            <a:r>
-              <a:rPr lang="en-US" sz="1600" dirty="0" smtClean="0"/>
-              <a:t>A  models determines if you are  taken away for extra security measures.</a:t>
-            </a:r>
-            <a:br>
-              <a:rPr lang="en-US" sz="1600" dirty="0" smtClean="0"/>
-            </a:br>
-            <a:endParaRPr lang="en-US" sz="1600" dirty="0" smtClean="0"/>
-          </a:p>
-          <a:p>
-            <a:r>
-              <a:rPr lang="en-US" sz="1800" dirty="0" smtClean="0"/>
-              <a:t>If you default on your car loans,</a:t>
-            </a:r>
-          </a:p>
-          <a:p>
-            <a:pPr lvl="1"/>
-            <a:r>
-              <a:rPr lang="en-US" sz="1600" dirty="0"/>
-              <a:t>A</a:t>
-            </a:r>
-            <a:r>
-              <a:rPr lang="en-US" sz="1600" dirty="0" smtClean="0"/>
-              <a:t> model determines when (or if)   someone to repossess your car.</a:t>
-            </a:r>
-            <a:br>
-              <a:rPr lang="en-US" sz="1600" dirty="0" smtClean="0"/>
-            </a:br>
-            <a:endParaRPr lang="en-US" sz="1600" dirty="0" smtClean="0"/>
-          </a:p>
-          <a:p>
-            <a:r>
-              <a:rPr lang="en-US" sz="1800" dirty="0"/>
-              <a:t>I</a:t>
-            </a:r>
-            <a:r>
-              <a:rPr lang="en-US" sz="1800" dirty="0" smtClean="0"/>
-              <a:t>f the stock market crashes,</a:t>
-            </a:r>
-          </a:p>
-          <a:p>
-            <a:pPr lvl="1"/>
-            <a:r>
-              <a:rPr lang="en-US" sz="1600" dirty="0" smtClean="0"/>
-              <a:t> it might be that some model caused the crash.</a:t>
-            </a:r>
-          </a:p>
-          <a:p>
-            <a:pPr marL="0" indent="0">
-              <a:buNone/>
-            </a:pPr>
-            <a:endParaRPr lang="en-US" sz="1800" dirty="0" smtClean="0"/>
-          </a:p>
-        </p:txBody>
-      </p:sp>
-      <p:pic>
-        <p:nvPicPr>
-          <p:cNvPr id="9" name="Picture 8"/>
-          <p:cNvPicPr>
-            <a:picLocks noChangeAspect="1"/>
-          </p:cNvPicPr>
-          <p:nvPr/>
-        </p:nvPicPr>
-        <p:blipFill>
-          <a:blip r:embed="rId2"/>
-          <a:stretch>
-            <a:fillRect/>
-          </a:stretch>
-        </p:blipFill>
-        <p:spPr>
-          <a:xfrm>
-            <a:off x="5069849" y="2056253"/>
-            <a:ext cx="3883397" cy="3764953"/>
-          </a:xfrm>
-          <a:prstGeom prst="rect">
-            <a:avLst/>
-          </a:prstGeom>
-        </p:spPr>
-      </p:pic>
-    </p:spTree>
-    <p:extLst>
-      <p:ext uri="{BB962C8B-B14F-4D97-AF65-F5344CB8AC3E}">
-        <p14:creationId xmlns:p14="http://schemas.microsoft.com/office/powerpoint/2010/main" val="2290739188"/>
       </p:ext>
     </p:extLst>
   </p:cSld>
